--- a/grp7_V2.pptx
+++ b/grp7_V2.pptx
@@ -29884,35 +29884,20 @@
           </a:p>
           <a:p>
             <a:r>
-              <a:rPr lang="en-US" sz="2400" dirty="0" smtClean="0">
+              <a:rPr lang="en-US" sz="2400" smtClean="0">
                 <a:latin typeface="Book Antiqua" charset="0"/>
                 <a:ea typeface="Book Antiqua" charset="0"/>
                 <a:cs typeface="Book Antiqua" charset="0"/>
               </a:rPr>
-              <a:t>Storage, Memory </a:t>
+              <a:t>Computational </a:t>
             </a:r>
-            <a:r>
-              <a:rPr lang="en-US" sz="2400" dirty="0">
-                <a:latin typeface="Book Antiqua" charset="0"/>
-                <a:ea typeface="Book Antiqua" charset="0"/>
-                <a:cs typeface="Book Antiqua" charset="0"/>
-              </a:rPr>
-              <a:t>cost </a:t>
-            </a:r>
-            <a:endParaRPr lang="en-US" sz="2400" dirty="0" smtClean="0">
-              <a:latin typeface="Book Antiqua" charset="0"/>
-              <a:ea typeface="Book Antiqua" charset="0"/>
-              <a:cs typeface="Book Antiqua" charset="0"/>
-            </a:endParaRPr>
-          </a:p>
-          <a:p>
             <a:r>
               <a:rPr lang="en-US" sz="2400" dirty="0" smtClean="0">
                 <a:latin typeface="Book Antiqua" charset="0"/>
                 <a:ea typeface="Book Antiqua" charset="0"/>
                 <a:cs typeface="Book Antiqua" charset="0"/>
               </a:rPr>
-              <a:t>Computational Efficiency </a:t>
+              <a:t>Efficiency </a:t>
             </a:r>
             <a:r>
               <a:rPr lang="mr-IN" sz="2400" dirty="0" smtClean="0">

--- a/grp7_V2.pptx
+++ b/grp7_V2.pptx
@@ -583,6 +583,7 @@
   </mc:AlternateContent>
   <c:chart>
     <c:title>
+      <c:layout/>
       <c:overlay val="0"/>
       <c:spPr>
         <a:noFill/>
@@ -903,6 +904,7 @@
           </a:p>
         </c:rich>
       </c:tx>
+      <c:layout/>
       <c:overlay val="0"/>
       <c:spPr>
         <a:noFill/>
@@ -1228,6 +1230,7 @@
     </c:plotArea>
     <c:legend>
       <c:legendPos val="b"/>
+      <c:layout/>
       <c:overlay val="0"/>
       <c:spPr>
         <a:noFill/>
@@ -1327,6 +1330,7 @@
           </a:p>
         </c:rich>
       </c:tx>
+      <c:layout/>
       <c:overlay val="0"/>
       <c:spPr>
         <a:noFill/>
@@ -1653,6 +1657,7 @@
     </c:plotArea>
     <c:legend>
       <c:legendPos val="b"/>
+      <c:layout/>
       <c:overlay val="0"/>
       <c:spPr>
         <a:noFill/>
@@ -2017,6 +2022,7 @@
   </mc:AlternateContent>
   <c:chart>
     <c:title>
+      <c:layout/>
       <c:overlay val="0"/>
       <c:spPr>
         <a:noFill/>
@@ -2307,6 +2313,7 @@
   </mc:AlternateContent>
   <c:chart>
     <c:title>
+      <c:layout/>
       <c:overlay val="0"/>
       <c:spPr>
         <a:noFill/>
@@ -2598,6 +2605,7 @@
   </mc:AlternateContent>
   <c:chart>
     <c:title>
+      <c:layout/>
       <c:overlay val="0"/>
       <c:spPr>
         <a:noFill/>
@@ -2889,6 +2897,7 @@
   </mc:AlternateContent>
   <c:chart>
     <c:title>
+      <c:layout/>
       <c:overlay val="0"/>
       <c:spPr>
         <a:noFill/>
@@ -3179,6 +3188,7 @@
   </mc:AlternateContent>
   <c:chart>
     <c:title>
+      <c:layout/>
       <c:overlay val="0"/>
       <c:spPr>
         <a:noFill/>
@@ -3466,6 +3476,7 @@
   </mc:AlternateContent>
   <c:chart>
     <c:title>
+      <c:layout/>
       <c:overlay val="0"/>
       <c:spPr>
         <a:noFill/>
@@ -3752,6 +3763,7 @@
   </mc:AlternateContent>
   <c:chart>
     <c:title>
+      <c:layout/>
       <c:overlay val="0"/>
       <c:spPr>
         <a:noFill/>
@@ -29884,7 +29896,7 @@
           </a:p>
           <a:p>
             <a:r>
-              <a:rPr lang="en-US" sz="2400" smtClean="0">
+              <a:rPr lang="en-US" sz="2400" dirty="0" smtClean="0">
                 <a:latin typeface="Book Antiqua" charset="0"/>
                 <a:ea typeface="Book Antiqua" charset="0"/>
                 <a:cs typeface="Book Antiqua" charset="0"/>

--- a/grp7_V2.pptx
+++ b/grp7_V2.pptx
@@ -433,11 +433,11 @@
           <c:showBubbleSize val="0"/>
         </c:dLbls>
         <c:smooth val="0"/>
-        <c:axId val="-1294101472"/>
-        <c:axId val="-1219743232"/>
+        <c:axId val="-1204812544"/>
+        <c:axId val="-1220522400"/>
       </c:lineChart>
       <c:catAx>
-        <c:axId val="-1294101472"/>
+        <c:axId val="-1204812544"/>
         <c:scaling>
           <c:orientation val="minMax"/>
         </c:scaling>
@@ -480,7 +480,7 @@
             <a:endParaRPr lang="en-US"/>
           </a:p>
         </c:txPr>
-        <c:crossAx val="-1219743232"/>
+        <c:crossAx val="-1220522400"/>
         <c:crosses val="autoZero"/>
         <c:auto val="1"/>
         <c:lblAlgn val="ctr"/>
@@ -488,7 +488,7 @@
         <c:noMultiLvlLbl val="0"/>
       </c:catAx>
       <c:valAx>
-        <c:axId val="-1219743232"/>
+        <c:axId val="-1220522400"/>
         <c:scaling>
           <c:orientation val="minMax"/>
         </c:scaling>
@@ -525,7 +525,7 @@
             <a:endParaRPr lang="en-US"/>
           </a:p>
         </c:txPr>
-        <c:crossAx val="-1294101472"/>
+        <c:crossAx val="-1204812544"/>
         <c:crosses val="autoZero"/>
         <c:crossBetween val="between"/>
       </c:valAx>
@@ -583,7 +583,6 @@
   </mc:AlternateContent>
   <c:chart>
     <c:title>
-      <c:layout/>
       <c:overlay val="0"/>
       <c:spPr>
         <a:noFill/>
@@ -725,11 +724,11 @@
           <c:showBubbleSize val="0"/>
         </c:dLbls>
         <c:smooth val="0"/>
-        <c:axId val="-1220224496"/>
-        <c:axId val="-1220222176"/>
+        <c:axId val="-1221796608"/>
+        <c:axId val="-1221794288"/>
       </c:lineChart>
       <c:catAx>
-        <c:axId val="-1220224496"/>
+        <c:axId val="-1221796608"/>
         <c:scaling>
           <c:orientation val="minMax"/>
         </c:scaling>
@@ -772,7 +771,7 @@
             <a:endParaRPr lang="en-US"/>
           </a:p>
         </c:txPr>
-        <c:crossAx val="-1220222176"/>
+        <c:crossAx val="-1221794288"/>
         <c:crosses val="autoZero"/>
         <c:auto val="1"/>
         <c:lblAlgn val="ctr"/>
@@ -780,7 +779,7 @@
         <c:noMultiLvlLbl val="0"/>
       </c:catAx>
       <c:valAx>
-        <c:axId val="-1220222176"/>
+        <c:axId val="-1221794288"/>
         <c:scaling>
           <c:orientation val="minMax"/>
         </c:scaling>
@@ -816,7 +815,7 @@
             <a:endParaRPr lang="en-US"/>
           </a:p>
         </c:txPr>
-        <c:crossAx val="-1220224496"/>
+        <c:crossAx val="-1221796608"/>
         <c:crosses val="autoZero"/>
         <c:crossBetween val="between"/>
       </c:valAx>
@@ -904,7 +903,6 @@
           </a:p>
         </c:rich>
       </c:tx>
-      <c:layout/>
       <c:overlay val="0"/>
       <c:spPr>
         <a:noFill/>
@@ -1123,11 +1121,11 @@
           <c:showBubbleSize val="0"/>
         </c:dLbls>
         <c:smooth val="0"/>
-        <c:axId val="-1220197920"/>
-        <c:axId val="-1220195600"/>
+        <c:axId val="-1293088736"/>
+        <c:axId val="-1219428848"/>
       </c:lineChart>
       <c:catAx>
-        <c:axId val="-1220197920"/>
+        <c:axId val="-1293088736"/>
         <c:scaling>
           <c:orientation val="minMax"/>
         </c:scaling>
@@ -1170,7 +1168,7 @@
             <a:endParaRPr lang="en-US"/>
           </a:p>
         </c:txPr>
-        <c:crossAx val="-1220195600"/>
+        <c:crossAx val="-1219428848"/>
         <c:crosses val="autoZero"/>
         <c:auto val="1"/>
         <c:lblAlgn val="ctr"/>
@@ -1178,7 +1176,7 @@
         <c:noMultiLvlLbl val="0"/>
       </c:catAx>
       <c:valAx>
-        <c:axId val="-1220195600"/>
+        <c:axId val="-1219428848"/>
         <c:scaling>
           <c:orientation val="minMax"/>
         </c:scaling>
@@ -1214,7 +1212,7 @@
             <a:endParaRPr lang="en-US"/>
           </a:p>
         </c:txPr>
-        <c:crossAx val="-1220197920"/>
+        <c:crossAx val="-1293088736"/>
         <c:crosses val="autoZero"/>
         <c:crossBetween val="between"/>
       </c:valAx>
@@ -1230,7 +1228,6 @@
     </c:plotArea>
     <c:legend>
       <c:legendPos val="b"/>
-      <c:layout/>
       <c:overlay val="0"/>
       <c:spPr>
         <a:noFill/>
@@ -1330,7 +1327,6 @@
           </a:p>
         </c:rich>
       </c:tx>
-      <c:layout/>
       <c:overlay val="0"/>
       <c:spPr>
         <a:noFill/>
@@ -1549,11 +1545,11 @@
           <c:showBubbleSize val="0"/>
         </c:dLbls>
         <c:smooth val="0"/>
-        <c:axId val="-1218308384"/>
-        <c:axId val="-1218306064"/>
+        <c:axId val="-1221823248"/>
+        <c:axId val="-1221867072"/>
       </c:lineChart>
       <c:catAx>
-        <c:axId val="-1218308384"/>
+        <c:axId val="-1221823248"/>
         <c:scaling>
           <c:orientation val="minMax"/>
         </c:scaling>
@@ -1596,7 +1592,7 @@
             <a:endParaRPr lang="en-US"/>
           </a:p>
         </c:txPr>
-        <c:crossAx val="-1218306064"/>
+        <c:crossAx val="-1221867072"/>
         <c:crosses val="autoZero"/>
         <c:auto val="1"/>
         <c:lblAlgn val="ctr"/>
@@ -1604,7 +1600,7 @@
         <c:noMultiLvlLbl val="0"/>
       </c:catAx>
       <c:valAx>
-        <c:axId val="-1218306064"/>
+        <c:axId val="-1221867072"/>
         <c:scaling>
           <c:orientation val="minMax"/>
         </c:scaling>
@@ -1641,7 +1637,7 @@
             <a:endParaRPr lang="en-US"/>
           </a:p>
         </c:txPr>
-        <c:crossAx val="-1218308384"/>
+        <c:crossAx val="-1221823248"/>
         <c:crosses val="autoZero"/>
         <c:crossBetween val="between"/>
       </c:valAx>
@@ -1657,7 +1653,6 @@
     </c:plotArea>
     <c:legend>
       <c:legendPos val="b"/>
-      <c:layout/>
       <c:overlay val="0"/>
       <c:spPr>
         <a:noFill/>
@@ -1731,7 +1726,6 @@
   </mc:AlternateContent>
   <c:chart>
     <c:title>
-      <c:layout/>
       <c:overlay val="0"/>
       <c:spPr>
         <a:noFill/>
@@ -1873,11 +1867,11 @@
           <c:showBubbleSize val="0"/>
         </c:dLbls>
         <c:smooth val="0"/>
-        <c:axId val="-1295140384"/>
-        <c:axId val="-1217899616"/>
+        <c:axId val="-1217555184"/>
+        <c:axId val="-1217821328"/>
       </c:lineChart>
       <c:catAx>
-        <c:axId val="-1295140384"/>
+        <c:axId val="-1217555184"/>
         <c:scaling>
           <c:orientation val="minMax"/>
         </c:scaling>
@@ -1920,7 +1914,7 @@
             <a:endParaRPr lang="en-US"/>
           </a:p>
         </c:txPr>
-        <c:crossAx val="-1217899616"/>
+        <c:crossAx val="-1217821328"/>
         <c:crosses val="autoZero"/>
         <c:auto val="1"/>
         <c:lblAlgn val="ctr"/>
@@ -1928,7 +1922,7 @@
         <c:noMultiLvlLbl val="0"/>
       </c:catAx>
       <c:valAx>
-        <c:axId val="-1217899616"/>
+        <c:axId val="-1217821328"/>
         <c:scaling>
           <c:orientation val="minMax"/>
         </c:scaling>
@@ -1964,7 +1958,7 @@
             <a:endParaRPr lang="en-US"/>
           </a:p>
         </c:txPr>
-        <c:crossAx val="-1295140384"/>
+        <c:crossAx val="-1217555184"/>
         <c:crosses val="autoZero"/>
         <c:crossBetween val="between"/>
       </c:valAx>
@@ -2022,7 +2016,6 @@
   </mc:AlternateContent>
   <c:chart>
     <c:title>
-      <c:layout/>
       <c:overlay val="0"/>
       <c:spPr>
         <a:noFill/>
@@ -2164,11 +2157,11 @@
           <c:showBubbleSize val="0"/>
         </c:dLbls>
         <c:smooth val="0"/>
-        <c:axId val="-1218428560"/>
-        <c:axId val="-1218426512"/>
+        <c:axId val="-1204076992"/>
+        <c:axId val="-1219835456"/>
       </c:lineChart>
       <c:catAx>
-        <c:axId val="-1218428560"/>
+        <c:axId val="-1204076992"/>
         <c:scaling>
           <c:orientation val="minMax"/>
         </c:scaling>
@@ -2211,7 +2204,7 @@
             <a:endParaRPr lang="en-US"/>
           </a:p>
         </c:txPr>
-        <c:crossAx val="-1218426512"/>
+        <c:crossAx val="-1219835456"/>
         <c:crosses val="autoZero"/>
         <c:auto val="1"/>
         <c:lblAlgn val="ctr"/>
@@ -2219,7 +2212,7 @@
         <c:noMultiLvlLbl val="0"/>
       </c:catAx>
       <c:valAx>
-        <c:axId val="-1218426512"/>
+        <c:axId val="-1219835456"/>
         <c:scaling>
           <c:orientation val="minMax"/>
         </c:scaling>
@@ -2255,7 +2248,7 @@
             <a:endParaRPr lang="en-US"/>
           </a:p>
         </c:txPr>
-        <c:crossAx val="-1218428560"/>
+        <c:crossAx val="-1204076992"/>
         <c:crosses val="autoZero"/>
         <c:crossBetween val="between"/>
       </c:valAx>
@@ -2313,7 +2306,6 @@
   </mc:AlternateContent>
   <c:chart>
     <c:title>
-      <c:layout/>
       <c:overlay val="0"/>
       <c:spPr>
         <a:noFill/>
@@ -2455,11 +2447,11 @@
           <c:showBubbleSize val="0"/>
         </c:dLbls>
         <c:smooth val="0"/>
-        <c:axId val="-1218368800"/>
-        <c:axId val="-1218366480"/>
+        <c:axId val="-1204206896"/>
+        <c:axId val="-1204204576"/>
       </c:lineChart>
       <c:catAx>
-        <c:axId val="-1218368800"/>
+        <c:axId val="-1204206896"/>
         <c:scaling>
           <c:orientation val="minMax"/>
         </c:scaling>
@@ -2502,7 +2494,7 @@
             <a:endParaRPr lang="en-US"/>
           </a:p>
         </c:txPr>
-        <c:crossAx val="-1218366480"/>
+        <c:crossAx val="-1204204576"/>
         <c:crosses val="autoZero"/>
         <c:auto val="1"/>
         <c:lblAlgn val="ctr"/>
@@ -2510,7 +2502,7 @@
         <c:noMultiLvlLbl val="0"/>
       </c:catAx>
       <c:valAx>
-        <c:axId val="-1218366480"/>
+        <c:axId val="-1204204576"/>
         <c:scaling>
           <c:orientation val="minMax"/>
         </c:scaling>
@@ -2547,7 +2539,7 @@
             <a:endParaRPr lang="en-US"/>
           </a:p>
         </c:txPr>
-        <c:crossAx val="-1218368800"/>
+        <c:crossAx val="-1204206896"/>
         <c:crosses val="autoZero"/>
         <c:crossBetween val="between"/>
       </c:valAx>
@@ -2605,7 +2597,6 @@
   </mc:AlternateContent>
   <c:chart>
     <c:title>
-      <c:layout/>
       <c:overlay val="0"/>
       <c:spPr>
         <a:noFill/>
@@ -2747,11 +2738,11 @@
           <c:showBubbleSize val="0"/>
         </c:dLbls>
         <c:smooth val="0"/>
-        <c:axId val="-1220338912"/>
-        <c:axId val="-1220336592"/>
+        <c:axId val="-1256762992"/>
+        <c:axId val="-1256760944"/>
       </c:lineChart>
       <c:catAx>
-        <c:axId val="-1220338912"/>
+        <c:axId val="-1256762992"/>
         <c:scaling>
           <c:orientation val="minMax"/>
         </c:scaling>
@@ -2794,7 +2785,7 @@
             <a:endParaRPr lang="en-US"/>
           </a:p>
         </c:txPr>
-        <c:crossAx val="-1220336592"/>
+        <c:crossAx val="-1256760944"/>
         <c:crosses val="autoZero"/>
         <c:auto val="1"/>
         <c:lblAlgn val="ctr"/>
@@ -2802,7 +2793,7 @@
         <c:noMultiLvlLbl val="0"/>
       </c:catAx>
       <c:valAx>
-        <c:axId val="-1220336592"/>
+        <c:axId val="-1256760944"/>
         <c:scaling>
           <c:orientation val="minMax"/>
         </c:scaling>
@@ -2839,7 +2830,7 @@
             <a:endParaRPr lang="en-US"/>
           </a:p>
         </c:txPr>
-        <c:crossAx val="-1220338912"/>
+        <c:crossAx val="-1256762992"/>
         <c:crosses val="autoZero"/>
         <c:crossBetween val="between"/>
       </c:valAx>
@@ -2897,7 +2888,6 @@
   </mc:AlternateContent>
   <c:chart>
     <c:title>
-      <c:layout/>
       <c:overlay val="0"/>
       <c:spPr>
         <a:noFill/>
@@ -3039,11 +3029,11 @@
           <c:showBubbleSize val="0"/>
         </c:dLbls>
         <c:smooth val="0"/>
-        <c:axId val="-1218347824"/>
-        <c:axId val="-1218345504"/>
+        <c:axId val="-1292080848"/>
+        <c:axId val="-1292078528"/>
       </c:lineChart>
       <c:catAx>
-        <c:axId val="-1218347824"/>
+        <c:axId val="-1292080848"/>
         <c:scaling>
           <c:orientation val="minMax"/>
         </c:scaling>
@@ -3086,7 +3076,7 @@
             <a:endParaRPr lang="en-US"/>
           </a:p>
         </c:txPr>
-        <c:crossAx val="-1218345504"/>
+        <c:crossAx val="-1292078528"/>
         <c:crosses val="autoZero"/>
         <c:auto val="1"/>
         <c:lblAlgn val="ctr"/>
@@ -3094,7 +3084,7 @@
         <c:noMultiLvlLbl val="0"/>
       </c:catAx>
       <c:valAx>
-        <c:axId val="-1218345504"/>
+        <c:axId val="-1292078528"/>
         <c:scaling>
           <c:orientation val="minMax"/>
         </c:scaling>
@@ -3130,7 +3120,7 @@
             <a:endParaRPr lang="en-US"/>
           </a:p>
         </c:txPr>
-        <c:crossAx val="-1218347824"/>
+        <c:crossAx val="-1292080848"/>
         <c:crosses val="autoZero"/>
         <c:crossBetween val="between"/>
       </c:valAx>
@@ -3188,7 +3178,6 @@
   </mc:AlternateContent>
   <c:chart>
     <c:title>
-      <c:layout/>
       <c:overlay val="0"/>
       <c:spPr>
         <a:noFill/>
@@ -3326,11 +3315,11 @@
           <c:showBubbleSize val="0"/>
         </c:dLbls>
         <c:smooth val="0"/>
-        <c:axId val="-1293058656"/>
-        <c:axId val="-1293056880"/>
+        <c:axId val="-1221650864"/>
+        <c:axId val="-1221648544"/>
       </c:lineChart>
       <c:catAx>
-        <c:axId val="-1293058656"/>
+        <c:axId val="-1221650864"/>
         <c:scaling>
           <c:orientation val="minMax"/>
         </c:scaling>
@@ -3373,7 +3362,7 @@
             <a:endParaRPr lang="en-US"/>
           </a:p>
         </c:txPr>
-        <c:crossAx val="-1293056880"/>
+        <c:crossAx val="-1221648544"/>
         <c:crosses val="autoZero"/>
         <c:auto val="1"/>
         <c:lblAlgn val="ctr"/>
@@ -3381,7 +3370,7 @@
         <c:noMultiLvlLbl val="0"/>
       </c:catAx>
       <c:valAx>
-        <c:axId val="-1293056880"/>
+        <c:axId val="-1221648544"/>
         <c:scaling>
           <c:orientation val="minMax"/>
         </c:scaling>
@@ -3418,7 +3407,7 @@
             <a:endParaRPr lang="en-US"/>
           </a:p>
         </c:txPr>
-        <c:crossAx val="-1293058656"/>
+        <c:crossAx val="-1221650864"/>
         <c:crosses val="autoZero"/>
         <c:crossBetween val="between"/>
       </c:valAx>
@@ -3476,7 +3465,6 @@
   </mc:AlternateContent>
   <c:chart>
     <c:title>
-      <c:layout/>
       <c:overlay val="0"/>
       <c:spPr>
         <a:noFill/>
@@ -3614,11 +3602,11 @@
           <c:showBubbleSize val="0"/>
         </c:dLbls>
         <c:smooth val="0"/>
-        <c:axId val="-1220305472"/>
-        <c:axId val="-1220303152"/>
+        <c:axId val="-1221702048"/>
+        <c:axId val="-1221699728"/>
       </c:lineChart>
       <c:catAx>
-        <c:axId val="-1220305472"/>
+        <c:axId val="-1221702048"/>
         <c:scaling>
           <c:orientation val="minMax"/>
         </c:scaling>
@@ -3661,7 +3649,7 @@
             <a:endParaRPr lang="en-US"/>
           </a:p>
         </c:txPr>
-        <c:crossAx val="-1220303152"/>
+        <c:crossAx val="-1221699728"/>
         <c:crosses val="autoZero"/>
         <c:auto val="1"/>
         <c:lblAlgn val="ctr"/>
@@ -3669,7 +3657,7 @@
         <c:noMultiLvlLbl val="0"/>
       </c:catAx>
       <c:valAx>
-        <c:axId val="-1220303152"/>
+        <c:axId val="-1221699728"/>
         <c:scaling>
           <c:orientation val="minMax"/>
         </c:scaling>
@@ -3705,7 +3693,7 @@
             <a:endParaRPr lang="en-US"/>
           </a:p>
         </c:txPr>
-        <c:crossAx val="-1220305472"/>
+        <c:crossAx val="-1221702048"/>
         <c:crosses val="autoZero"/>
         <c:crossBetween val="between"/>
       </c:valAx>
@@ -3763,7 +3751,6 @@
   </mc:AlternateContent>
   <c:chart>
     <c:title>
-      <c:layout/>
       <c:overlay val="0"/>
       <c:spPr>
         <a:noFill/>
@@ -3905,11 +3892,11 @@
           <c:showBubbleSize val="0"/>
         </c:dLbls>
         <c:smooth val="0"/>
-        <c:axId val="-1218333856"/>
-        <c:axId val="-1218331536"/>
+        <c:axId val="-1221740592"/>
+        <c:axId val="-1221738272"/>
       </c:lineChart>
       <c:catAx>
-        <c:axId val="-1218333856"/>
+        <c:axId val="-1221740592"/>
         <c:scaling>
           <c:orientation val="minMax"/>
         </c:scaling>
@@ -3952,7 +3939,7 @@
             <a:endParaRPr lang="en-US"/>
           </a:p>
         </c:txPr>
-        <c:crossAx val="-1218331536"/>
+        <c:crossAx val="-1221738272"/>
         <c:crosses val="autoZero"/>
         <c:auto val="1"/>
         <c:lblAlgn val="ctr"/>
@@ -3960,7 +3947,7 @@
         <c:noMultiLvlLbl val="0"/>
       </c:catAx>
       <c:valAx>
-        <c:axId val="-1218331536"/>
+        <c:axId val="-1221738272"/>
         <c:scaling>
           <c:orientation val="minMax"/>
         </c:scaling>
@@ -3997,7 +3984,7 @@
             <a:endParaRPr lang="en-US"/>
           </a:p>
         </c:txPr>
-        <c:crossAx val="-1218333856"/>
+        <c:crossAx val="-1221740592"/>
         <c:crosses val="autoZero"/>
         <c:crossBetween val="between"/>
       </c:valAx>
@@ -20788,7 +20775,7 @@
       </p:sp>
       <p:pic>
         <p:nvPicPr>
-          <p:cNvPr id="3" name="Picture 2"/>
+          <p:cNvPr id="2" name="Picture 1"/>
           <p:cNvPicPr>
             <a:picLocks noChangeAspect="1"/>
           </p:cNvPicPr>
@@ -20808,8 +20795,8 @@
         </p:blipFill>
         <p:spPr>
           <a:xfrm>
-            <a:off x="1267485" y="655529"/>
-            <a:ext cx="6622502" cy="4186130"/>
+            <a:off x="1321806" y="814812"/>
+            <a:ext cx="5880118" cy="3716864"/>
           </a:xfrm>
           <a:prstGeom prst="rect">
             <a:avLst/>
@@ -26168,7 +26155,7 @@
           <p:cNvPr id="13" name="Content Placeholder 2">
             <a:extLst>
               <a:ext uri="{FF2B5EF4-FFF2-40B4-BE49-F238E27FC236}">
-                <a16:creationId xmlns="" xmlns:a16="http://schemas.microsoft.com/office/drawing/2014/main" id="{7CE76DCB-6D06-4FCF-8C85-021414B0A6EA}"/>
+                <a16:creationId xmlns:a16="http://schemas.microsoft.com/office/drawing/2014/main" xmlns="" id="{7CE76DCB-6D06-4FCF-8C85-021414B0A6EA}"/>
               </a:ext>
             </a:extLst>
           </p:cNvPr>
@@ -26543,7 +26530,7 @@
           <p:cNvPr id="6" name="Content Placeholder 2">
             <a:extLst>
               <a:ext uri="{FF2B5EF4-FFF2-40B4-BE49-F238E27FC236}">
-                <a16:creationId xmlns:a16="http://schemas.microsoft.com/office/drawing/2014/main" xmlns="" id="{7CE76DCB-6D06-4FCF-8C85-021414B0A6EA}"/>
+                <a16:creationId xmlns="" xmlns:a16="http://schemas.microsoft.com/office/drawing/2014/main" id="{7CE76DCB-6D06-4FCF-8C85-021414B0A6EA}"/>
               </a:ext>
             </a:extLst>
           </p:cNvPr>
@@ -29399,7 +29386,7 @@
           <p:cNvPr id="10" name="Content Placeholder 2">
             <a:extLst>
               <a:ext uri="{FF2B5EF4-FFF2-40B4-BE49-F238E27FC236}">
-                <a16:creationId xmlns="" xmlns:a16="http://schemas.microsoft.com/office/drawing/2014/main" id="{7CE76DCB-6D06-4FCF-8C85-021414B0A6EA}"/>
+                <a16:creationId xmlns:a16="http://schemas.microsoft.com/office/drawing/2014/main" xmlns="" id="{7CE76DCB-6D06-4FCF-8C85-021414B0A6EA}"/>
               </a:ext>
             </a:extLst>
           </p:cNvPr>
@@ -29683,7 +29670,7 @@
           <p:cNvPr id="11" name="Content Placeholder 2">
             <a:extLst>
               <a:ext uri="{FF2B5EF4-FFF2-40B4-BE49-F238E27FC236}">
-                <a16:creationId xmlns="" xmlns:a16="http://schemas.microsoft.com/office/drawing/2014/main" id="{7CE76DCB-6D06-4FCF-8C85-021414B0A6EA}"/>
+                <a16:creationId xmlns:a16="http://schemas.microsoft.com/office/drawing/2014/main" xmlns="" id="{7CE76DCB-6D06-4FCF-8C85-021414B0A6EA}"/>
               </a:ext>
             </a:extLst>
           </p:cNvPr>
@@ -29901,15 +29888,7 @@
                 <a:ea typeface="Book Antiqua" charset="0"/>
                 <a:cs typeface="Book Antiqua" charset="0"/>
               </a:rPr>
-              <a:t>Computational </a:t>
-            </a:r>
-            <a:r>
-              <a:rPr lang="en-US" sz="2400" dirty="0" smtClean="0">
-                <a:latin typeface="Book Antiqua" charset="0"/>
-                <a:ea typeface="Book Antiqua" charset="0"/>
-                <a:cs typeface="Book Antiqua" charset="0"/>
-              </a:rPr>
-              <a:t>Efficiency </a:t>
+              <a:t>Computational Efficiency </a:t>
             </a:r>
             <a:r>
               <a:rPr lang="mr-IN" sz="2400" dirty="0" smtClean="0">

--- a/grp7_V2.pptx
+++ b/grp7_V2.pptx
@@ -433,11 +433,11 @@
           <c:showBubbleSize val="0"/>
         </c:dLbls>
         <c:smooth val="0"/>
-        <c:axId val="-1204812544"/>
-        <c:axId val="-1220522400"/>
+        <c:axId val="-1221631168"/>
+        <c:axId val="-1221629120"/>
       </c:lineChart>
       <c:catAx>
-        <c:axId val="-1204812544"/>
+        <c:axId val="-1221631168"/>
         <c:scaling>
           <c:orientation val="minMax"/>
         </c:scaling>
@@ -480,7 +480,7 @@
             <a:endParaRPr lang="en-US"/>
           </a:p>
         </c:txPr>
-        <c:crossAx val="-1220522400"/>
+        <c:crossAx val="-1221629120"/>
         <c:crosses val="autoZero"/>
         <c:auto val="1"/>
         <c:lblAlgn val="ctr"/>
@@ -488,7 +488,7 @@
         <c:noMultiLvlLbl val="0"/>
       </c:catAx>
       <c:valAx>
-        <c:axId val="-1220522400"/>
+        <c:axId val="-1221629120"/>
         <c:scaling>
           <c:orientation val="minMax"/>
         </c:scaling>
@@ -525,7 +525,7 @@
             <a:endParaRPr lang="en-US"/>
           </a:p>
         </c:txPr>
-        <c:crossAx val="-1204812544"/>
+        <c:crossAx val="-1221631168"/>
         <c:crosses val="autoZero"/>
         <c:crossBetween val="between"/>
       </c:valAx>
@@ -724,11 +724,11 @@
           <c:showBubbleSize val="0"/>
         </c:dLbls>
         <c:smooth val="0"/>
-        <c:axId val="-1221796608"/>
-        <c:axId val="-1221794288"/>
+        <c:axId val="-1220687312"/>
+        <c:axId val="-1220684992"/>
       </c:lineChart>
       <c:catAx>
-        <c:axId val="-1221796608"/>
+        <c:axId val="-1220687312"/>
         <c:scaling>
           <c:orientation val="minMax"/>
         </c:scaling>
@@ -771,7 +771,7 @@
             <a:endParaRPr lang="en-US"/>
           </a:p>
         </c:txPr>
-        <c:crossAx val="-1221794288"/>
+        <c:crossAx val="-1220684992"/>
         <c:crosses val="autoZero"/>
         <c:auto val="1"/>
         <c:lblAlgn val="ctr"/>
@@ -779,12 +779,13 @@
         <c:noMultiLvlLbl val="0"/>
       </c:catAx>
       <c:valAx>
-        <c:axId val="-1221794288"/>
+        <c:axId val="-1220684992"/>
         <c:scaling>
           <c:orientation val="minMax"/>
         </c:scaling>
         <c:delete val="0"/>
         <c:axPos val="l"/>
+        <c:numFmt formatCode="General" sourceLinked="0"/>
         <c:majorTickMark val="none"/>
         <c:minorTickMark val="none"/>
         <c:tickLblPos val="nextTo"/>
@@ -815,7 +816,7 @@
             <a:endParaRPr lang="en-US"/>
           </a:p>
         </c:txPr>
-        <c:crossAx val="-1221796608"/>
+        <c:crossAx val="-1220687312"/>
         <c:crosses val="autoZero"/>
         <c:crossBetween val="between"/>
       </c:valAx>
@@ -1121,11 +1122,11 @@
           <c:showBubbleSize val="0"/>
         </c:dLbls>
         <c:smooth val="0"/>
-        <c:axId val="-1293088736"/>
-        <c:axId val="-1219428848"/>
+        <c:axId val="-1221766496"/>
+        <c:axId val="-1221773216"/>
       </c:lineChart>
       <c:catAx>
-        <c:axId val="-1293088736"/>
+        <c:axId val="-1221766496"/>
         <c:scaling>
           <c:orientation val="minMax"/>
         </c:scaling>
@@ -1168,7 +1169,7 @@
             <a:endParaRPr lang="en-US"/>
           </a:p>
         </c:txPr>
-        <c:crossAx val="-1219428848"/>
+        <c:crossAx val="-1221773216"/>
         <c:crosses val="autoZero"/>
         <c:auto val="1"/>
         <c:lblAlgn val="ctr"/>
@@ -1176,12 +1177,13 @@
         <c:noMultiLvlLbl val="0"/>
       </c:catAx>
       <c:valAx>
-        <c:axId val="-1219428848"/>
+        <c:axId val="-1221773216"/>
         <c:scaling>
           <c:orientation val="minMax"/>
         </c:scaling>
         <c:delete val="0"/>
         <c:axPos val="l"/>
+        <c:numFmt formatCode="0.0" sourceLinked="0"/>
         <c:majorTickMark val="none"/>
         <c:minorTickMark val="none"/>
         <c:tickLblPos val="nextTo"/>
@@ -1212,7 +1214,7 @@
             <a:endParaRPr lang="en-US"/>
           </a:p>
         </c:txPr>
-        <c:crossAx val="-1293088736"/>
+        <c:crossAx val="-1221766496"/>
         <c:crosses val="autoZero"/>
         <c:crossBetween val="between"/>
       </c:valAx>
@@ -1545,11 +1547,11 @@
           <c:showBubbleSize val="0"/>
         </c:dLbls>
         <c:smooth val="0"/>
-        <c:axId val="-1221823248"/>
-        <c:axId val="-1221867072"/>
+        <c:axId val="-1221804032"/>
+        <c:axId val="-1221801712"/>
       </c:lineChart>
       <c:catAx>
-        <c:axId val="-1221823248"/>
+        <c:axId val="-1221804032"/>
         <c:scaling>
           <c:orientation val="minMax"/>
         </c:scaling>
@@ -1592,7 +1594,7 @@
             <a:endParaRPr lang="en-US"/>
           </a:p>
         </c:txPr>
-        <c:crossAx val="-1221867072"/>
+        <c:crossAx val="-1221801712"/>
         <c:crosses val="autoZero"/>
         <c:auto val="1"/>
         <c:lblAlgn val="ctr"/>
@@ -1600,7 +1602,7 @@
         <c:noMultiLvlLbl val="0"/>
       </c:catAx>
       <c:valAx>
-        <c:axId val="-1221867072"/>
+        <c:axId val="-1221801712"/>
         <c:scaling>
           <c:orientation val="minMax"/>
         </c:scaling>
@@ -1637,7 +1639,7 @@
             <a:endParaRPr lang="en-US"/>
           </a:p>
         </c:txPr>
-        <c:crossAx val="-1221823248"/>
+        <c:crossAx val="-1221804032"/>
         <c:crosses val="autoZero"/>
         <c:crossBetween val="between"/>
       </c:valAx>
@@ -1867,11 +1869,11 @@
           <c:showBubbleSize val="0"/>
         </c:dLbls>
         <c:smooth val="0"/>
-        <c:axId val="-1217555184"/>
-        <c:axId val="-1217821328"/>
+        <c:axId val="-1221617728"/>
+        <c:axId val="-1221634800"/>
       </c:lineChart>
       <c:catAx>
-        <c:axId val="-1217555184"/>
+        <c:axId val="-1221617728"/>
         <c:scaling>
           <c:orientation val="minMax"/>
         </c:scaling>
@@ -1914,7 +1916,7 @@
             <a:endParaRPr lang="en-US"/>
           </a:p>
         </c:txPr>
-        <c:crossAx val="-1217821328"/>
+        <c:crossAx val="-1221634800"/>
         <c:crosses val="autoZero"/>
         <c:auto val="1"/>
         <c:lblAlgn val="ctr"/>
@@ -1922,12 +1924,13 @@
         <c:noMultiLvlLbl val="0"/>
       </c:catAx>
       <c:valAx>
-        <c:axId val="-1217821328"/>
+        <c:axId val="-1221634800"/>
         <c:scaling>
           <c:orientation val="minMax"/>
         </c:scaling>
         <c:delete val="0"/>
         <c:axPos val="l"/>
+        <c:numFmt formatCode="General" sourceLinked="0"/>
         <c:majorTickMark val="none"/>
         <c:minorTickMark val="none"/>
         <c:tickLblPos val="nextTo"/>
@@ -1958,7 +1961,7 @@
             <a:endParaRPr lang="en-US"/>
           </a:p>
         </c:txPr>
-        <c:crossAx val="-1217555184"/>
+        <c:crossAx val="-1221617728"/>
         <c:crosses val="autoZero"/>
         <c:crossBetween val="between"/>
       </c:valAx>
@@ -2157,11 +2160,11 @@
           <c:showBubbleSize val="0"/>
         </c:dLbls>
         <c:smooth val="0"/>
-        <c:axId val="-1204076992"/>
-        <c:axId val="-1219835456"/>
+        <c:axId val="-1204055680"/>
+        <c:axId val="-1219538064"/>
       </c:lineChart>
       <c:catAx>
-        <c:axId val="-1204076992"/>
+        <c:axId val="-1204055680"/>
         <c:scaling>
           <c:orientation val="minMax"/>
         </c:scaling>
@@ -2204,7 +2207,7 @@
             <a:endParaRPr lang="en-US"/>
           </a:p>
         </c:txPr>
-        <c:crossAx val="-1219835456"/>
+        <c:crossAx val="-1219538064"/>
         <c:crosses val="autoZero"/>
         <c:auto val="1"/>
         <c:lblAlgn val="ctr"/>
@@ -2212,7 +2215,7 @@
         <c:noMultiLvlLbl val="0"/>
       </c:catAx>
       <c:valAx>
-        <c:axId val="-1219835456"/>
+        <c:axId val="-1219538064"/>
         <c:scaling>
           <c:orientation val="minMax"/>
         </c:scaling>
@@ -2248,7 +2251,7 @@
             <a:endParaRPr lang="en-US"/>
           </a:p>
         </c:txPr>
-        <c:crossAx val="-1204076992"/>
+        <c:crossAx val="-1204055680"/>
         <c:crosses val="autoZero"/>
         <c:crossBetween val="between"/>
       </c:valAx>
@@ -2447,11 +2450,11 @@
           <c:showBubbleSize val="0"/>
         </c:dLbls>
         <c:smooth val="0"/>
-        <c:axId val="-1204206896"/>
-        <c:axId val="-1204204576"/>
+        <c:axId val="-1219589712"/>
+        <c:axId val="-1219587664"/>
       </c:lineChart>
       <c:catAx>
-        <c:axId val="-1204206896"/>
+        <c:axId val="-1219589712"/>
         <c:scaling>
           <c:orientation val="minMax"/>
         </c:scaling>
@@ -2494,7 +2497,7 @@
             <a:endParaRPr lang="en-US"/>
           </a:p>
         </c:txPr>
-        <c:crossAx val="-1204204576"/>
+        <c:crossAx val="-1219587664"/>
         <c:crosses val="autoZero"/>
         <c:auto val="1"/>
         <c:lblAlgn val="ctr"/>
@@ -2502,7 +2505,7 @@
         <c:noMultiLvlLbl val="0"/>
       </c:catAx>
       <c:valAx>
-        <c:axId val="-1204204576"/>
+        <c:axId val="-1219587664"/>
         <c:scaling>
           <c:orientation val="minMax"/>
         </c:scaling>
@@ -2539,7 +2542,7 @@
             <a:endParaRPr lang="en-US"/>
           </a:p>
         </c:txPr>
-        <c:crossAx val="-1204206896"/>
+        <c:crossAx val="-1219589712"/>
         <c:crosses val="autoZero"/>
         <c:crossBetween val="between"/>
       </c:valAx>
@@ -2738,11 +2741,11 @@
           <c:showBubbleSize val="0"/>
         </c:dLbls>
         <c:smooth val="0"/>
-        <c:axId val="-1256762992"/>
-        <c:axId val="-1256760944"/>
+        <c:axId val="-1220600112"/>
+        <c:axId val="-1220597792"/>
       </c:lineChart>
       <c:catAx>
-        <c:axId val="-1256762992"/>
+        <c:axId val="-1220600112"/>
         <c:scaling>
           <c:orientation val="minMax"/>
         </c:scaling>
@@ -2785,7 +2788,7 @@
             <a:endParaRPr lang="en-US"/>
           </a:p>
         </c:txPr>
-        <c:crossAx val="-1256760944"/>
+        <c:crossAx val="-1220597792"/>
         <c:crosses val="autoZero"/>
         <c:auto val="1"/>
         <c:lblAlgn val="ctr"/>
@@ -2793,7 +2796,7 @@
         <c:noMultiLvlLbl val="0"/>
       </c:catAx>
       <c:valAx>
-        <c:axId val="-1256760944"/>
+        <c:axId val="-1220597792"/>
         <c:scaling>
           <c:orientation val="minMax"/>
         </c:scaling>
@@ -2830,7 +2833,7 @@
             <a:endParaRPr lang="en-US"/>
           </a:p>
         </c:txPr>
-        <c:crossAx val="-1256762992"/>
+        <c:crossAx val="-1220600112"/>
         <c:crosses val="autoZero"/>
         <c:crossBetween val="between"/>
       </c:valAx>
@@ -3029,11 +3032,11 @@
           <c:showBubbleSize val="0"/>
         </c:dLbls>
         <c:smooth val="0"/>
-        <c:axId val="-1292080848"/>
-        <c:axId val="-1292078528"/>
+        <c:axId val="-1220576336"/>
+        <c:axId val="-1220574016"/>
       </c:lineChart>
       <c:catAx>
-        <c:axId val="-1292080848"/>
+        <c:axId val="-1220576336"/>
         <c:scaling>
           <c:orientation val="minMax"/>
         </c:scaling>
@@ -3076,7 +3079,7 @@
             <a:endParaRPr lang="en-US"/>
           </a:p>
         </c:txPr>
-        <c:crossAx val="-1292078528"/>
+        <c:crossAx val="-1220574016"/>
         <c:crosses val="autoZero"/>
         <c:auto val="1"/>
         <c:lblAlgn val="ctr"/>
@@ -3084,7 +3087,7 @@
         <c:noMultiLvlLbl val="0"/>
       </c:catAx>
       <c:valAx>
-        <c:axId val="-1292078528"/>
+        <c:axId val="-1220574016"/>
         <c:scaling>
           <c:orientation val="minMax"/>
         </c:scaling>
@@ -3120,7 +3123,7 @@
             <a:endParaRPr lang="en-US"/>
           </a:p>
         </c:txPr>
-        <c:crossAx val="-1292080848"/>
+        <c:crossAx val="-1220576336"/>
         <c:crosses val="autoZero"/>
         <c:crossBetween val="between"/>
       </c:valAx>
@@ -3315,11 +3318,11 @@
           <c:showBubbleSize val="0"/>
         </c:dLbls>
         <c:smooth val="0"/>
-        <c:axId val="-1221650864"/>
-        <c:axId val="-1221648544"/>
+        <c:axId val="-1221695024"/>
+        <c:axId val="-1221702464"/>
       </c:lineChart>
       <c:catAx>
-        <c:axId val="-1221650864"/>
+        <c:axId val="-1221695024"/>
         <c:scaling>
           <c:orientation val="minMax"/>
         </c:scaling>
@@ -3362,7 +3365,7 @@
             <a:endParaRPr lang="en-US"/>
           </a:p>
         </c:txPr>
-        <c:crossAx val="-1221648544"/>
+        <c:crossAx val="-1221702464"/>
         <c:crosses val="autoZero"/>
         <c:auto val="1"/>
         <c:lblAlgn val="ctr"/>
@@ -3370,7 +3373,7 @@
         <c:noMultiLvlLbl val="0"/>
       </c:catAx>
       <c:valAx>
-        <c:axId val="-1221648544"/>
+        <c:axId val="-1221702464"/>
         <c:scaling>
           <c:orientation val="minMax"/>
         </c:scaling>
@@ -3407,7 +3410,7 @@
             <a:endParaRPr lang="en-US"/>
           </a:p>
         </c:txPr>
-        <c:crossAx val="-1221650864"/>
+        <c:crossAx val="-1221695024"/>
         <c:crosses val="autoZero"/>
         <c:crossBetween val="between"/>
       </c:valAx>
@@ -3602,11 +3605,11 @@
           <c:showBubbleSize val="0"/>
         </c:dLbls>
         <c:smooth val="0"/>
-        <c:axId val="-1221702048"/>
-        <c:axId val="-1221699728"/>
+        <c:axId val="-1220560736"/>
+        <c:axId val="-1220628976"/>
       </c:lineChart>
       <c:catAx>
-        <c:axId val="-1221702048"/>
+        <c:axId val="-1220560736"/>
         <c:scaling>
           <c:orientation val="minMax"/>
         </c:scaling>
@@ -3649,7 +3652,7 @@
             <a:endParaRPr lang="en-US"/>
           </a:p>
         </c:txPr>
-        <c:crossAx val="-1221699728"/>
+        <c:crossAx val="-1220628976"/>
         <c:crosses val="autoZero"/>
         <c:auto val="1"/>
         <c:lblAlgn val="ctr"/>
@@ -3657,7 +3660,7 @@
         <c:noMultiLvlLbl val="0"/>
       </c:catAx>
       <c:valAx>
-        <c:axId val="-1221699728"/>
+        <c:axId val="-1220628976"/>
         <c:scaling>
           <c:orientation val="minMax"/>
         </c:scaling>
@@ -3693,7 +3696,7 @@
             <a:endParaRPr lang="en-US"/>
           </a:p>
         </c:txPr>
-        <c:crossAx val="-1221702048"/>
+        <c:crossAx val="-1220560736"/>
         <c:crosses val="autoZero"/>
         <c:crossBetween val="between"/>
       </c:valAx>
@@ -3892,11 +3895,11 @@
           <c:showBubbleSize val="0"/>
         </c:dLbls>
         <c:smooth val="0"/>
-        <c:axId val="-1221740592"/>
-        <c:axId val="-1221738272"/>
+        <c:axId val="-1220715360"/>
+        <c:axId val="-1220713040"/>
       </c:lineChart>
       <c:catAx>
-        <c:axId val="-1221740592"/>
+        <c:axId val="-1220715360"/>
         <c:scaling>
           <c:orientation val="minMax"/>
         </c:scaling>
@@ -3939,7 +3942,7 @@
             <a:endParaRPr lang="en-US"/>
           </a:p>
         </c:txPr>
-        <c:crossAx val="-1221738272"/>
+        <c:crossAx val="-1220713040"/>
         <c:crosses val="autoZero"/>
         <c:auto val="1"/>
         <c:lblAlgn val="ctr"/>
@@ -3947,7 +3950,7 @@
         <c:noMultiLvlLbl val="0"/>
       </c:catAx>
       <c:valAx>
-        <c:axId val="-1221738272"/>
+        <c:axId val="-1220713040"/>
         <c:scaling>
           <c:orientation val="minMax"/>
         </c:scaling>
@@ -3984,7 +3987,7 @@
             <a:endParaRPr lang="en-US"/>
           </a:p>
         </c:txPr>
-        <c:crossAx val="-1221740592"/>
+        <c:crossAx val="-1220715360"/>
         <c:crosses val="autoZero"/>
         <c:crossBetween val="between"/>
       </c:valAx>
@@ -26155,7 +26158,7 @@
           <p:cNvPr id="13" name="Content Placeholder 2">
             <a:extLst>
               <a:ext uri="{FF2B5EF4-FFF2-40B4-BE49-F238E27FC236}">
-                <a16:creationId xmlns:a16="http://schemas.microsoft.com/office/drawing/2014/main" xmlns="" id="{7CE76DCB-6D06-4FCF-8C85-021414B0A6EA}"/>
+                <a16:creationId xmlns="" xmlns:a16="http://schemas.microsoft.com/office/drawing/2014/main" id="{7CE76DCB-6D06-4FCF-8C85-021414B0A6EA}"/>
               </a:ext>
             </a:extLst>
           </p:cNvPr>
@@ -26530,7 +26533,7 @@
           <p:cNvPr id="6" name="Content Placeholder 2">
             <a:extLst>
               <a:ext uri="{FF2B5EF4-FFF2-40B4-BE49-F238E27FC236}">
-                <a16:creationId xmlns="" xmlns:a16="http://schemas.microsoft.com/office/drawing/2014/main" id="{7CE76DCB-6D06-4FCF-8C85-021414B0A6EA}"/>
+                <a16:creationId xmlns:a16="http://schemas.microsoft.com/office/drawing/2014/main" xmlns="" id="{7CE76DCB-6D06-4FCF-8C85-021414B0A6EA}"/>
               </a:ext>
             </a:extLst>
           </p:cNvPr>
@@ -29386,7 +29389,7 @@
           <p:cNvPr id="10" name="Content Placeholder 2">
             <a:extLst>
               <a:ext uri="{FF2B5EF4-FFF2-40B4-BE49-F238E27FC236}">
-                <a16:creationId xmlns:a16="http://schemas.microsoft.com/office/drawing/2014/main" xmlns="" id="{7CE76DCB-6D06-4FCF-8C85-021414B0A6EA}"/>
+                <a16:creationId xmlns="" xmlns:a16="http://schemas.microsoft.com/office/drawing/2014/main" id="{7CE76DCB-6D06-4FCF-8C85-021414B0A6EA}"/>
               </a:ext>
             </a:extLst>
           </p:cNvPr>
@@ -29670,7 +29673,7 @@
           <p:cNvPr id="11" name="Content Placeholder 2">
             <a:extLst>
               <a:ext uri="{FF2B5EF4-FFF2-40B4-BE49-F238E27FC236}">
-                <a16:creationId xmlns:a16="http://schemas.microsoft.com/office/drawing/2014/main" xmlns="" id="{7CE76DCB-6D06-4FCF-8C85-021414B0A6EA}"/>
+                <a16:creationId xmlns="" xmlns:a16="http://schemas.microsoft.com/office/drawing/2014/main" id="{7CE76DCB-6D06-4FCF-8C85-021414B0A6EA}"/>
               </a:ext>
             </a:extLst>
           </p:cNvPr>
@@ -29904,7 +29907,31 @@
                 <a:ea typeface="Book Antiqua" charset="0"/>
                 <a:cs typeface="Book Antiqua" charset="0"/>
               </a:rPr>
-              <a:t> Running time cost on Test data</a:t>
+              <a:t> </a:t>
+            </a:r>
+            <a:r>
+              <a:rPr lang="en-US" sz="2400" smtClean="0">
+                <a:latin typeface="Book Antiqua" charset="0"/>
+                <a:ea typeface="Book Antiqua" charset="0"/>
+                <a:cs typeface="Book Antiqua" charset="0"/>
+              </a:rPr>
+              <a:t>Running </a:t>
+            </a:r>
+            <a:r>
+              <a:rPr lang="en-US" sz="2400" smtClean="0">
+                <a:latin typeface="Book Antiqua" charset="0"/>
+                <a:ea typeface="Book Antiqua" charset="0"/>
+                <a:cs typeface="Book Antiqua" charset="0"/>
+              </a:rPr>
+              <a:t>time on </a:t>
+            </a:r>
+            <a:r>
+              <a:rPr lang="en-US" sz="2400" dirty="0" smtClean="0">
+                <a:latin typeface="Book Antiqua" charset="0"/>
+                <a:ea typeface="Book Antiqua" charset="0"/>
+                <a:cs typeface="Book Antiqua" charset="0"/>
+              </a:rPr>
+              <a:t>Test data</a:t>
             </a:r>
             <a:endParaRPr lang="en-US" sz="2400" dirty="0">
               <a:latin typeface="Book Antiqua" charset="0"/>

--- a/grp7_V2.pptx
+++ b/grp7_V2.pptx
@@ -433,11 +433,11 @@
           <c:showBubbleSize val="0"/>
         </c:dLbls>
         <c:smooth val="0"/>
-        <c:axId val="-1221631168"/>
-        <c:axId val="-1221629120"/>
+        <c:axId val="-1217916032"/>
+        <c:axId val="-1222451568"/>
       </c:lineChart>
       <c:catAx>
-        <c:axId val="-1221631168"/>
+        <c:axId val="-1217916032"/>
         <c:scaling>
           <c:orientation val="minMax"/>
         </c:scaling>
@@ -480,7 +480,7 @@
             <a:endParaRPr lang="en-US"/>
           </a:p>
         </c:txPr>
-        <c:crossAx val="-1221629120"/>
+        <c:crossAx val="-1222451568"/>
         <c:crosses val="autoZero"/>
         <c:auto val="1"/>
         <c:lblAlgn val="ctr"/>
@@ -488,7 +488,7 @@
         <c:noMultiLvlLbl val="0"/>
       </c:catAx>
       <c:valAx>
-        <c:axId val="-1221629120"/>
+        <c:axId val="-1222451568"/>
         <c:scaling>
           <c:orientation val="minMax"/>
         </c:scaling>
@@ -525,7 +525,7 @@
             <a:endParaRPr lang="en-US"/>
           </a:p>
         </c:txPr>
-        <c:crossAx val="-1221631168"/>
+        <c:crossAx val="-1217916032"/>
         <c:crosses val="autoZero"/>
         <c:crossBetween val="between"/>
       </c:valAx>
@@ -724,11 +724,11 @@
           <c:showBubbleSize val="0"/>
         </c:dLbls>
         <c:smooth val="0"/>
-        <c:axId val="-1220687312"/>
-        <c:axId val="-1220684992"/>
+        <c:axId val="-1222329760"/>
+        <c:axId val="-1222327440"/>
       </c:lineChart>
       <c:catAx>
-        <c:axId val="-1220687312"/>
+        <c:axId val="-1222329760"/>
         <c:scaling>
           <c:orientation val="minMax"/>
         </c:scaling>
@@ -771,7 +771,7 @@
             <a:endParaRPr lang="en-US"/>
           </a:p>
         </c:txPr>
-        <c:crossAx val="-1220684992"/>
+        <c:crossAx val="-1222327440"/>
         <c:crosses val="autoZero"/>
         <c:auto val="1"/>
         <c:lblAlgn val="ctr"/>
@@ -779,7 +779,7 @@
         <c:noMultiLvlLbl val="0"/>
       </c:catAx>
       <c:valAx>
-        <c:axId val="-1220684992"/>
+        <c:axId val="-1222327440"/>
         <c:scaling>
           <c:orientation val="minMax"/>
         </c:scaling>
@@ -816,7 +816,7 @@
             <a:endParaRPr lang="en-US"/>
           </a:p>
         </c:txPr>
-        <c:crossAx val="-1220687312"/>
+        <c:crossAx val="-1222329760"/>
         <c:crosses val="autoZero"/>
         <c:crossBetween val="between"/>
       </c:valAx>
@@ -1122,11 +1122,11 @@
           <c:showBubbleSize val="0"/>
         </c:dLbls>
         <c:smooth val="0"/>
-        <c:axId val="-1221766496"/>
-        <c:axId val="-1221773216"/>
+        <c:axId val="-1217668032"/>
+        <c:axId val="-1217665984"/>
       </c:lineChart>
       <c:catAx>
-        <c:axId val="-1221766496"/>
+        <c:axId val="-1217668032"/>
         <c:scaling>
           <c:orientation val="minMax"/>
         </c:scaling>
@@ -1169,7 +1169,7 @@
             <a:endParaRPr lang="en-US"/>
           </a:p>
         </c:txPr>
-        <c:crossAx val="-1221773216"/>
+        <c:crossAx val="-1217665984"/>
         <c:crosses val="autoZero"/>
         <c:auto val="1"/>
         <c:lblAlgn val="ctr"/>
@@ -1177,7 +1177,7 @@
         <c:noMultiLvlLbl val="0"/>
       </c:catAx>
       <c:valAx>
-        <c:axId val="-1221773216"/>
+        <c:axId val="-1217665984"/>
         <c:scaling>
           <c:orientation val="minMax"/>
         </c:scaling>
@@ -1214,7 +1214,7 @@
             <a:endParaRPr lang="en-US"/>
           </a:p>
         </c:txPr>
-        <c:crossAx val="-1221766496"/>
+        <c:crossAx val="-1217668032"/>
         <c:crosses val="autoZero"/>
         <c:crossBetween val="between"/>
       </c:valAx>
@@ -1547,11 +1547,11 @@
           <c:showBubbleSize val="0"/>
         </c:dLbls>
         <c:smooth val="0"/>
-        <c:axId val="-1221804032"/>
-        <c:axId val="-1221801712"/>
+        <c:axId val="-1292945552"/>
+        <c:axId val="-1293619040"/>
       </c:lineChart>
       <c:catAx>
-        <c:axId val="-1221804032"/>
+        <c:axId val="-1292945552"/>
         <c:scaling>
           <c:orientation val="minMax"/>
         </c:scaling>
@@ -1594,7 +1594,7 @@
             <a:endParaRPr lang="en-US"/>
           </a:p>
         </c:txPr>
-        <c:crossAx val="-1221801712"/>
+        <c:crossAx val="-1293619040"/>
         <c:crosses val="autoZero"/>
         <c:auto val="1"/>
         <c:lblAlgn val="ctr"/>
@@ -1602,7 +1602,7 @@
         <c:noMultiLvlLbl val="0"/>
       </c:catAx>
       <c:valAx>
-        <c:axId val="-1221801712"/>
+        <c:axId val="-1293619040"/>
         <c:scaling>
           <c:orientation val="minMax"/>
         </c:scaling>
@@ -1639,7 +1639,7 @@
             <a:endParaRPr lang="en-US"/>
           </a:p>
         </c:txPr>
-        <c:crossAx val="-1221804032"/>
+        <c:crossAx val="-1292945552"/>
         <c:crosses val="autoZero"/>
         <c:crossBetween val="between"/>
       </c:valAx>
@@ -1869,11 +1869,11 @@
           <c:showBubbleSize val="0"/>
         </c:dLbls>
         <c:smooth val="0"/>
-        <c:axId val="-1221617728"/>
-        <c:axId val="-1221634800"/>
+        <c:axId val="-1219362768"/>
+        <c:axId val="-1219360448"/>
       </c:lineChart>
       <c:catAx>
-        <c:axId val="-1221617728"/>
+        <c:axId val="-1219362768"/>
         <c:scaling>
           <c:orientation val="minMax"/>
         </c:scaling>
@@ -1916,7 +1916,7 @@
             <a:endParaRPr lang="en-US"/>
           </a:p>
         </c:txPr>
-        <c:crossAx val="-1221634800"/>
+        <c:crossAx val="-1219360448"/>
         <c:crosses val="autoZero"/>
         <c:auto val="1"/>
         <c:lblAlgn val="ctr"/>
@@ -1924,7 +1924,7 @@
         <c:noMultiLvlLbl val="0"/>
       </c:catAx>
       <c:valAx>
-        <c:axId val="-1221634800"/>
+        <c:axId val="-1219360448"/>
         <c:scaling>
           <c:orientation val="minMax"/>
         </c:scaling>
@@ -1961,7 +1961,7 @@
             <a:endParaRPr lang="en-US"/>
           </a:p>
         </c:txPr>
-        <c:crossAx val="-1221617728"/>
+        <c:crossAx val="-1219362768"/>
         <c:crosses val="autoZero"/>
         <c:crossBetween val="between"/>
       </c:valAx>
@@ -2160,11 +2160,11 @@
           <c:showBubbleSize val="0"/>
         </c:dLbls>
         <c:smooth val="0"/>
-        <c:axId val="-1204055680"/>
-        <c:axId val="-1219538064"/>
+        <c:axId val="-1221865040"/>
+        <c:axId val="-1221855584"/>
       </c:lineChart>
       <c:catAx>
-        <c:axId val="-1204055680"/>
+        <c:axId val="-1221865040"/>
         <c:scaling>
           <c:orientation val="minMax"/>
         </c:scaling>
@@ -2207,7 +2207,7 @@
             <a:endParaRPr lang="en-US"/>
           </a:p>
         </c:txPr>
-        <c:crossAx val="-1219538064"/>
+        <c:crossAx val="-1221855584"/>
         <c:crosses val="autoZero"/>
         <c:auto val="1"/>
         <c:lblAlgn val="ctr"/>
@@ -2215,7 +2215,7 @@
         <c:noMultiLvlLbl val="0"/>
       </c:catAx>
       <c:valAx>
-        <c:axId val="-1219538064"/>
+        <c:axId val="-1221855584"/>
         <c:scaling>
           <c:orientation val="minMax"/>
         </c:scaling>
@@ -2251,7 +2251,7 @@
             <a:endParaRPr lang="en-US"/>
           </a:p>
         </c:txPr>
-        <c:crossAx val="-1204055680"/>
+        <c:crossAx val="-1221865040"/>
         <c:crosses val="autoZero"/>
         <c:crossBetween val="between"/>
       </c:valAx>
@@ -2450,11 +2450,11 @@
           <c:showBubbleSize val="0"/>
         </c:dLbls>
         <c:smooth val="0"/>
-        <c:axId val="-1219589712"/>
-        <c:axId val="-1219587664"/>
+        <c:axId val="-1295418592"/>
+        <c:axId val="-1222119088"/>
       </c:lineChart>
       <c:catAx>
-        <c:axId val="-1219589712"/>
+        <c:axId val="-1295418592"/>
         <c:scaling>
           <c:orientation val="minMax"/>
         </c:scaling>
@@ -2497,7 +2497,7 @@
             <a:endParaRPr lang="en-US"/>
           </a:p>
         </c:txPr>
-        <c:crossAx val="-1219587664"/>
+        <c:crossAx val="-1222119088"/>
         <c:crosses val="autoZero"/>
         <c:auto val="1"/>
         <c:lblAlgn val="ctr"/>
@@ -2505,7 +2505,7 @@
         <c:noMultiLvlLbl val="0"/>
       </c:catAx>
       <c:valAx>
-        <c:axId val="-1219587664"/>
+        <c:axId val="-1222119088"/>
         <c:scaling>
           <c:orientation val="minMax"/>
         </c:scaling>
@@ -2542,7 +2542,7 @@
             <a:endParaRPr lang="en-US"/>
           </a:p>
         </c:txPr>
-        <c:crossAx val="-1219589712"/>
+        <c:crossAx val="-1295418592"/>
         <c:crosses val="autoZero"/>
         <c:crossBetween val="between"/>
       </c:valAx>
@@ -2741,11 +2741,11 @@
           <c:showBubbleSize val="0"/>
         </c:dLbls>
         <c:smooth val="0"/>
-        <c:axId val="-1220600112"/>
-        <c:axId val="-1220597792"/>
+        <c:axId val="-1222279856"/>
+        <c:axId val="-1222543120"/>
       </c:lineChart>
       <c:catAx>
-        <c:axId val="-1220600112"/>
+        <c:axId val="-1222279856"/>
         <c:scaling>
           <c:orientation val="minMax"/>
         </c:scaling>
@@ -2788,7 +2788,7 @@
             <a:endParaRPr lang="en-US"/>
           </a:p>
         </c:txPr>
-        <c:crossAx val="-1220597792"/>
+        <c:crossAx val="-1222543120"/>
         <c:crosses val="autoZero"/>
         <c:auto val="1"/>
         <c:lblAlgn val="ctr"/>
@@ -2796,7 +2796,7 @@
         <c:noMultiLvlLbl val="0"/>
       </c:catAx>
       <c:valAx>
-        <c:axId val="-1220597792"/>
+        <c:axId val="-1222543120"/>
         <c:scaling>
           <c:orientation val="minMax"/>
         </c:scaling>
@@ -2833,7 +2833,7 @@
             <a:endParaRPr lang="en-US"/>
           </a:p>
         </c:txPr>
-        <c:crossAx val="-1220600112"/>
+        <c:crossAx val="-1222279856"/>
         <c:crosses val="autoZero"/>
         <c:crossBetween val="between"/>
       </c:valAx>
@@ -3032,11 +3032,11 @@
           <c:showBubbleSize val="0"/>
         </c:dLbls>
         <c:smooth val="0"/>
-        <c:axId val="-1220576336"/>
-        <c:axId val="-1220574016"/>
+        <c:axId val="-1221545840"/>
+        <c:axId val="-1221127024"/>
       </c:lineChart>
       <c:catAx>
-        <c:axId val="-1220576336"/>
+        <c:axId val="-1221545840"/>
         <c:scaling>
           <c:orientation val="minMax"/>
         </c:scaling>
@@ -3079,7 +3079,7 @@
             <a:endParaRPr lang="en-US"/>
           </a:p>
         </c:txPr>
-        <c:crossAx val="-1220574016"/>
+        <c:crossAx val="-1221127024"/>
         <c:crosses val="autoZero"/>
         <c:auto val="1"/>
         <c:lblAlgn val="ctr"/>
@@ -3087,7 +3087,7 @@
         <c:noMultiLvlLbl val="0"/>
       </c:catAx>
       <c:valAx>
-        <c:axId val="-1220574016"/>
+        <c:axId val="-1221127024"/>
         <c:scaling>
           <c:orientation val="minMax"/>
         </c:scaling>
@@ -3123,7 +3123,7 @@
             <a:endParaRPr lang="en-US"/>
           </a:p>
         </c:txPr>
-        <c:crossAx val="-1220576336"/>
+        <c:crossAx val="-1221545840"/>
         <c:crosses val="autoZero"/>
         <c:crossBetween val="between"/>
       </c:valAx>
@@ -3318,11 +3318,11 @@
           <c:showBubbleSize val="0"/>
         </c:dLbls>
         <c:smooth val="0"/>
-        <c:axId val="-1221695024"/>
-        <c:axId val="-1221702464"/>
+        <c:axId val="-1222309952"/>
+        <c:axId val="-1222307904"/>
       </c:lineChart>
       <c:catAx>
-        <c:axId val="-1221695024"/>
+        <c:axId val="-1222309952"/>
         <c:scaling>
           <c:orientation val="minMax"/>
         </c:scaling>
@@ -3365,7 +3365,7 @@
             <a:endParaRPr lang="en-US"/>
           </a:p>
         </c:txPr>
-        <c:crossAx val="-1221702464"/>
+        <c:crossAx val="-1222307904"/>
         <c:crosses val="autoZero"/>
         <c:auto val="1"/>
         <c:lblAlgn val="ctr"/>
@@ -3373,7 +3373,7 @@
         <c:noMultiLvlLbl val="0"/>
       </c:catAx>
       <c:valAx>
-        <c:axId val="-1221702464"/>
+        <c:axId val="-1222307904"/>
         <c:scaling>
           <c:orientation val="minMax"/>
         </c:scaling>
@@ -3410,7 +3410,7 @@
             <a:endParaRPr lang="en-US"/>
           </a:p>
         </c:txPr>
-        <c:crossAx val="-1221695024"/>
+        <c:crossAx val="-1222309952"/>
         <c:crosses val="autoZero"/>
         <c:crossBetween val="between"/>
       </c:valAx>
@@ -3605,11 +3605,11 @@
           <c:showBubbleSize val="0"/>
         </c:dLbls>
         <c:smooth val="0"/>
-        <c:axId val="-1220560736"/>
-        <c:axId val="-1220628976"/>
+        <c:axId val="-1222181136"/>
+        <c:axId val="-1222179088"/>
       </c:lineChart>
       <c:catAx>
-        <c:axId val="-1220560736"/>
+        <c:axId val="-1222181136"/>
         <c:scaling>
           <c:orientation val="minMax"/>
         </c:scaling>
@@ -3652,7 +3652,7 @@
             <a:endParaRPr lang="en-US"/>
           </a:p>
         </c:txPr>
-        <c:crossAx val="-1220628976"/>
+        <c:crossAx val="-1222179088"/>
         <c:crosses val="autoZero"/>
         <c:auto val="1"/>
         <c:lblAlgn val="ctr"/>
@@ -3660,7 +3660,7 @@
         <c:noMultiLvlLbl val="0"/>
       </c:catAx>
       <c:valAx>
-        <c:axId val="-1220628976"/>
+        <c:axId val="-1222179088"/>
         <c:scaling>
           <c:orientation val="minMax"/>
         </c:scaling>
@@ -3696,7 +3696,7 @@
             <a:endParaRPr lang="en-US"/>
           </a:p>
         </c:txPr>
-        <c:crossAx val="-1220560736"/>
+        <c:crossAx val="-1222181136"/>
         <c:crosses val="autoZero"/>
         <c:crossBetween val="between"/>
       </c:valAx>
@@ -3895,11 +3895,11 @@
           <c:showBubbleSize val="0"/>
         </c:dLbls>
         <c:smooth val="0"/>
-        <c:axId val="-1220715360"/>
-        <c:axId val="-1220713040"/>
+        <c:axId val="-1222232336"/>
+        <c:axId val="-1222230016"/>
       </c:lineChart>
       <c:catAx>
-        <c:axId val="-1220715360"/>
+        <c:axId val="-1222232336"/>
         <c:scaling>
           <c:orientation val="minMax"/>
         </c:scaling>
@@ -3942,7 +3942,7 @@
             <a:endParaRPr lang="en-US"/>
           </a:p>
         </c:txPr>
-        <c:crossAx val="-1220713040"/>
+        <c:crossAx val="-1222230016"/>
         <c:crosses val="autoZero"/>
         <c:auto val="1"/>
         <c:lblAlgn val="ctr"/>
@@ -3950,7 +3950,7 @@
         <c:noMultiLvlLbl val="0"/>
       </c:catAx>
       <c:valAx>
-        <c:axId val="-1220713040"/>
+        <c:axId val="-1222230016"/>
         <c:scaling>
           <c:orientation val="minMax"/>
         </c:scaling>
@@ -3987,7 +3987,7 @@
             <a:endParaRPr lang="en-US"/>
           </a:p>
         </c:txPr>
-        <c:crossAx val="-1220715360"/>
+        <c:crossAx val="-1222232336"/>
         <c:crosses val="autoZero"/>
         <c:crossBetween val="between"/>
       </c:valAx>
@@ -26158,7 +26158,7 @@
           <p:cNvPr id="13" name="Content Placeholder 2">
             <a:extLst>
               <a:ext uri="{FF2B5EF4-FFF2-40B4-BE49-F238E27FC236}">
-                <a16:creationId xmlns="" xmlns:a16="http://schemas.microsoft.com/office/drawing/2014/main" id="{7CE76DCB-6D06-4FCF-8C85-021414B0A6EA}"/>
+                <a16:creationId xmlns:a16="http://schemas.microsoft.com/office/drawing/2014/main" xmlns="" id="{7CE76DCB-6D06-4FCF-8C85-021414B0A6EA}"/>
               </a:ext>
             </a:extLst>
           </p:cNvPr>
@@ -26533,7 +26533,7 @@
           <p:cNvPr id="6" name="Content Placeholder 2">
             <a:extLst>
               <a:ext uri="{FF2B5EF4-FFF2-40B4-BE49-F238E27FC236}">
-                <a16:creationId xmlns:a16="http://schemas.microsoft.com/office/drawing/2014/main" xmlns="" id="{7CE76DCB-6D06-4FCF-8C85-021414B0A6EA}"/>
+                <a16:creationId xmlns="" xmlns:a16="http://schemas.microsoft.com/office/drawing/2014/main" id="{7CE76DCB-6D06-4FCF-8C85-021414B0A6EA}"/>
               </a:ext>
             </a:extLst>
           </p:cNvPr>
@@ -29389,7 +29389,7 @@
           <p:cNvPr id="10" name="Content Placeholder 2">
             <a:extLst>
               <a:ext uri="{FF2B5EF4-FFF2-40B4-BE49-F238E27FC236}">
-                <a16:creationId xmlns="" xmlns:a16="http://schemas.microsoft.com/office/drawing/2014/main" id="{7CE76DCB-6D06-4FCF-8C85-021414B0A6EA}"/>
+                <a16:creationId xmlns:a16="http://schemas.microsoft.com/office/drawing/2014/main" xmlns="" id="{7CE76DCB-6D06-4FCF-8C85-021414B0A6EA}"/>
               </a:ext>
             </a:extLst>
           </p:cNvPr>
@@ -29673,7 +29673,7 @@
           <p:cNvPr id="11" name="Content Placeholder 2">
             <a:extLst>
               <a:ext uri="{FF2B5EF4-FFF2-40B4-BE49-F238E27FC236}">
-                <a16:creationId xmlns="" xmlns:a16="http://schemas.microsoft.com/office/drawing/2014/main" id="{7CE76DCB-6D06-4FCF-8C85-021414B0A6EA}"/>
+                <a16:creationId xmlns:a16="http://schemas.microsoft.com/office/drawing/2014/main" xmlns="" id="{7CE76DCB-6D06-4FCF-8C85-021414B0A6EA}"/>
               </a:ext>
             </a:extLst>
           </p:cNvPr>
@@ -29915,15 +29915,7 @@
                 <a:ea typeface="Book Antiqua" charset="0"/>
                 <a:cs typeface="Book Antiqua" charset="0"/>
               </a:rPr>
-              <a:t>Running </a:t>
-            </a:r>
-            <a:r>
-              <a:rPr lang="en-US" sz="2400" smtClean="0">
-                <a:latin typeface="Book Antiqua" charset="0"/>
-                <a:ea typeface="Book Antiqua" charset="0"/>
-                <a:cs typeface="Book Antiqua" charset="0"/>
-              </a:rPr>
-              <a:t>time on </a:t>
+              <a:t>Running time on </a:t>
             </a:r>
             <a:r>
               <a:rPr lang="en-US" sz="2400" dirty="0" smtClean="0">
@@ -38946,7 +38938,23 @@
                 <a:ea typeface="Book Antiqua" charset="0"/>
                 <a:cs typeface="Book Antiqua" charset="0"/>
               </a:rPr>
-              <a:t>Train Error Rate: </a:t>
+              <a:t>Train </a:t>
+            </a:r>
+            <a:r>
+              <a:rPr lang="en-CA" b="1" smtClean="0">
+                <a:latin typeface="Book Antiqua" charset="0"/>
+                <a:ea typeface="Book Antiqua" charset="0"/>
+                <a:cs typeface="Book Antiqua" charset="0"/>
+              </a:rPr>
+              <a:t>Error </a:t>
+            </a:r>
+            <a:r>
+              <a:rPr lang="en-CA" b="1" smtClean="0">
+                <a:latin typeface="Book Antiqua" charset="0"/>
+                <a:ea typeface="Book Antiqua" charset="0"/>
+                <a:cs typeface="Book Antiqua" charset="0"/>
+              </a:rPr>
+              <a:t>Rate (CV Error rate) : </a:t>
             </a:r>
             <a:r>
               <a:rPr lang="hr-HR" dirty="0" smtClean="0">

--- a/grp7_V2.pptx
+++ b/grp7_V2.pptx
@@ -433,11 +433,11 @@
           <c:showBubbleSize val="0"/>
         </c:dLbls>
         <c:smooth val="0"/>
-        <c:axId val="-1217916032"/>
-        <c:axId val="-1222451568"/>
+        <c:axId val="-1222278304"/>
+        <c:axId val="-1217780160"/>
       </c:lineChart>
       <c:catAx>
-        <c:axId val="-1217916032"/>
+        <c:axId val="-1222278304"/>
         <c:scaling>
           <c:orientation val="minMax"/>
         </c:scaling>
@@ -480,7 +480,7 @@
             <a:endParaRPr lang="en-US"/>
           </a:p>
         </c:txPr>
-        <c:crossAx val="-1222451568"/>
+        <c:crossAx val="-1217780160"/>
         <c:crosses val="autoZero"/>
         <c:auto val="1"/>
         <c:lblAlgn val="ctr"/>
@@ -488,7 +488,7 @@
         <c:noMultiLvlLbl val="0"/>
       </c:catAx>
       <c:valAx>
-        <c:axId val="-1222451568"/>
+        <c:axId val="-1217780160"/>
         <c:scaling>
           <c:orientation val="minMax"/>
         </c:scaling>
@@ -525,7 +525,7 @@
             <a:endParaRPr lang="en-US"/>
           </a:p>
         </c:txPr>
-        <c:crossAx val="-1217916032"/>
+        <c:crossAx val="-1222278304"/>
         <c:crosses val="autoZero"/>
         <c:crossBetween val="between"/>
       </c:valAx>
@@ -724,11 +724,11 @@
           <c:showBubbleSize val="0"/>
         </c:dLbls>
         <c:smooth val="0"/>
-        <c:axId val="-1222329760"/>
-        <c:axId val="-1222327440"/>
+        <c:axId val="-1219695920"/>
+        <c:axId val="-1219693600"/>
       </c:lineChart>
       <c:catAx>
-        <c:axId val="-1222329760"/>
+        <c:axId val="-1219695920"/>
         <c:scaling>
           <c:orientation val="minMax"/>
         </c:scaling>
@@ -771,7 +771,7 @@
             <a:endParaRPr lang="en-US"/>
           </a:p>
         </c:txPr>
-        <c:crossAx val="-1222327440"/>
+        <c:crossAx val="-1219693600"/>
         <c:crosses val="autoZero"/>
         <c:auto val="1"/>
         <c:lblAlgn val="ctr"/>
@@ -779,7 +779,7 @@
         <c:noMultiLvlLbl val="0"/>
       </c:catAx>
       <c:valAx>
-        <c:axId val="-1222327440"/>
+        <c:axId val="-1219693600"/>
         <c:scaling>
           <c:orientation val="minMax"/>
         </c:scaling>
@@ -816,7 +816,7 @@
             <a:endParaRPr lang="en-US"/>
           </a:p>
         </c:txPr>
-        <c:crossAx val="-1222329760"/>
+        <c:crossAx val="-1219695920"/>
         <c:crosses val="autoZero"/>
         <c:crossBetween val="between"/>
       </c:valAx>
@@ -1122,11 +1122,11 @@
           <c:showBubbleSize val="0"/>
         </c:dLbls>
         <c:smooth val="0"/>
-        <c:axId val="-1217668032"/>
-        <c:axId val="-1217665984"/>
+        <c:axId val="-1219543904"/>
+        <c:axId val="-1220798640"/>
       </c:lineChart>
       <c:catAx>
-        <c:axId val="-1217668032"/>
+        <c:axId val="-1219543904"/>
         <c:scaling>
           <c:orientation val="minMax"/>
         </c:scaling>
@@ -1169,7 +1169,7 @@
             <a:endParaRPr lang="en-US"/>
           </a:p>
         </c:txPr>
-        <c:crossAx val="-1217665984"/>
+        <c:crossAx val="-1220798640"/>
         <c:crosses val="autoZero"/>
         <c:auto val="1"/>
         <c:lblAlgn val="ctr"/>
@@ -1177,7 +1177,7 @@
         <c:noMultiLvlLbl val="0"/>
       </c:catAx>
       <c:valAx>
-        <c:axId val="-1217665984"/>
+        <c:axId val="-1220798640"/>
         <c:scaling>
           <c:orientation val="minMax"/>
         </c:scaling>
@@ -1214,7 +1214,7 @@
             <a:endParaRPr lang="en-US"/>
           </a:p>
         </c:txPr>
-        <c:crossAx val="-1217668032"/>
+        <c:crossAx val="-1219543904"/>
         <c:crosses val="autoZero"/>
         <c:crossBetween val="between"/>
       </c:valAx>
@@ -1547,11 +1547,11 @@
           <c:showBubbleSize val="0"/>
         </c:dLbls>
         <c:smooth val="0"/>
-        <c:axId val="-1292945552"/>
-        <c:axId val="-1293619040"/>
+        <c:axId val="-1221377056"/>
+        <c:axId val="-1221374736"/>
       </c:lineChart>
       <c:catAx>
-        <c:axId val="-1292945552"/>
+        <c:axId val="-1221377056"/>
         <c:scaling>
           <c:orientation val="minMax"/>
         </c:scaling>
@@ -1594,7 +1594,7 @@
             <a:endParaRPr lang="en-US"/>
           </a:p>
         </c:txPr>
-        <c:crossAx val="-1293619040"/>
+        <c:crossAx val="-1221374736"/>
         <c:crosses val="autoZero"/>
         <c:auto val="1"/>
         <c:lblAlgn val="ctr"/>
@@ -1602,7 +1602,7 @@
         <c:noMultiLvlLbl val="0"/>
       </c:catAx>
       <c:valAx>
-        <c:axId val="-1293619040"/>
+        <c:axId val="-1221374736"/>
         <c:scaling>
           <c:orientation val="minMax"/>
         </c:scaling>
@@ -1639,7 +1639,7 @@
             <a:endParaRPr lang="en-US"/>
           </a:p>
         </c:txPr>
-        <c:crossAx val="-1292945552"/>
+        <c:crossAx val="-1221377056"/>
         <c:crosses val="autoZero"/>
         <c:crossBetween val="between"/>
       </c:valAx>
@@ -1869,11 +1869,11 @@
           <c:showBubbleSize val="0"/>
         </c:dLbls>
         <c:smooth val="0"/>
-        <c:axId val="-1219362768"/>
-        <c:axId val="-1219360448"/>
+        <c:axId val="-1222314688"/>
+        <c:axId val="-1222330800"/>
       </c:lineChart>
       <c:catAx>
-        <c:axId val="-1219362768"/>
+        <c:axId val="-1222314688"/>
         <c:scaling>
           <c:orientation val="minMax"/>
         </c:scaling>
@@ -1916,7 +1916,7 @@
             <a:endParaRPr lang="en-US"/>
           </a:p>
         </c:txPr>
-        <c:crossAx val="-1219360448"/>
+        <c:crossAx val="-1222330800"/>
         <c:crosses val="autoZero"/>
         <c:auto val="1"/>
         <c:lblAlgn val="ctr"/>
@@ -1924,7 +1924,7 @@
         <c:noMultiLvlLbl val="0"/>
       </c:catAx>
       <c:valAx>
-        <c:axId val="-1219360448"/>
+        <c:axId val="-1222330800"/>
         <c:scaling>
           <c:orientation val="minMax"/>
         </c:scaling>
@@ -1961,7 +1961,7 @@
             <a:endParaRPr lang="en-US"/>
           </a:p>
         </c:txPr>
-        <c:crossAx val="-1219362768"/>
+        <c:crossAx val="-1222314688"/>
         <c:crosses val="autoZero"/>
         <c:crossBetween val="between"/>
       </c:valAx>
@@ -2160,11 +2160,11 @@
           <c:showBubbleSize val="0"/>
         </c:dLbls>
         <c:smooth val="0"/>
-        <c:axId val="-1221865040"/>
-        <c:axId val="-1221855584"/>
+        <c:axId val="-1204393216"/>
+        <c:axId val="-1204390896"/>
       </c:lineChart>
       <c:catAx>
-        <c:axId val="-1221865040"/>
+        <c:axId val="-1204393216"/>
         <c:scaling>
           <c:orientation val="minMax"/>
         </c:scaling>
@@ -2207,7 +2207,7 @@
             <a:endParaRPr lang="en-US"/>
           </a:p>
         </c:txPr>
-        <c:crossAx val="-1221855584"/>
+        <c:crossAx val="-1204390896"/>
         <c:crosses val="autoZero"/>
         <c:auto val="1"/>
         <c:lblAlgn val="ctr"/>
@@ -2215,7 +2215,7 @@
         <c:noMultiLvlLbl val="0"/>
       </c:catAx>
       <c:valAx>
-        <c:axId val="-1221855584"/>
+        <c:axId val="-1204390896"/>
         <c:scaling>
           <c:orientation val="minMax"/>
         </c:scaling>
@@ -2251,7 +2251,7 @@
             <a:endParaRPr lang="en-US"/>
           </a:p>
         </c:txPr>
-        <c:crossAx val="-1221865040"/>
+        <c:crossAx val="-1204393216"/>
         <c:crosses val="autoZero"/>
         <c:crossBetween val="between"/>
       </c:valAx>
@@ -2450,11 +2450,11 @@
           <c:showBubbleSize val="0"/>
         </c:dLbls>
         <c:smooth val="0"/>
-        <c:axId val="-1295418592"/>
-        <c:axId val="-1222119088"/>
+        <c:axId val="-1217942288"/>
+        <c:axId val="-1222513792"/>
       </c:lineChart>
       <c:catAx>
-        <c:axId val="-1295418592"/>
+        <c:axId val="-1217942288"/>
         <c:scaling>
           <c:orientation val="minMax"/>
         </c:scaling>
@@ -2497,7 +2497,7 @@
             <a:endParaRPr lang="en-US"/>
           </a:p>
         </c:txPr>
-        <c:crossAx val="-1222119088"/>
+        <c:crossAx val="-1222513792"/>
         <c:crosses val="autoZero"/>
         <c:auto val="1"/>
         <c:lblAlgn val="ctr"/>
@@ -2505,7 +2505,7 @@
         <c:noMultiLvlLbl val="0"/>
       </c:catAx>
       <c:valAx>
-        <c:axId val="-1222119088"/>
+        <c:axId val="-1222513792"/>
         <c:scaling>
           <c:orientation val="minMax"/>
         </c:scaling>
@@ -2542,7 +2542,7 @@
             <a:endParaRPr lang="en-US"/>
           </a:p>
         </c:txPr>
-        <c:crossAx val="-1295418592"/>
+        <c:crossAx val="-1217942288"/>
         <c:crosses val="autoZero"/>
         <c:crossBetween val="between"/>
       </c:valAx>
@@ -2741,11 +2741,11 @@
           <c:showBubbleSize val="0"/>
         </c:dLbls>
         <c:smooth val="0"/>
-        <c:axId val="-1222279856"/>
-        <c:axId val="-1222543120"/>
+        <c:axId val="-1221705008"/>
+        <c:axId val="-1256330816"/>
       </c:lineChart>
       <c:catAx>
-        <c:axId val="-1222279856"/>
+        <c:axId val="-1221705008"/>
         <c:scaling>
           <c:orientation val="minMax"/>
         </c:scaling>
@@ -2788,7 +2788,7 @@
             <a:endParaRPr lang="en-US"/>
           </a:p>
         </c:txPr>
-        <c:crossAx val="-1222543120"/>
+        <c:crossAx val="-1256330816"/>
         <c:crosses val="autoZero"/>
         <c:auto val="1"/>
         <c:lblAlgn val="ctr"/>
@@ -2796,7 +2796,7 @@
         <c:noMultiLvlLbl val="0"/>
       </c:catAx>
       <c:valAx>
-        <c:axId val="-1222543120"/>
+        <c:axId val="-1256330816"/>
         <c:scaling>
           <c:orientation val="minMax"/>
         </c:scaling>
@@ -2833,7 +2833,7 @@
             <a:endParaRPr lang="en-US"/>
           </a:p>
         </c:txPr>
-        <c:crossAx val="-1222279856"/>
+        <c:crossAx val="-1221705008"/>
         <c:crosses val="autoZero"/>
         <c:crossBetween val="between"/>
       </c:valAx>
@@ -3032,11 +3032,11 @@
           <c:showBubbleSize val="0"/>
         </c:dLbls>
         <c:smooth val="0"/>
-        <c:axId val="-1221545840"/>
-        <c:axId val="-1221127024"/>
+        <c:axId val="-1217907056"/>
+        <c:axId val="-1222444544"/>
       </c:lineChart>
       <c:catAx>
-        <c:axId val="-1221545840"/>
+        <c:axId val="-1217907056"/>
         <c:scaling>
           <c:orientation val="minMax"/>
         </c:scaling>
@@ -3079,7 +3079,7 @@
             <a:endParaRPr lang="en-US"/>
           </a:p>
         </c:txPr>
-        <c:crossAx val="-1221127024"/>
+        <c:crossAx val="-1222444544"/>
         <c:crosses val="autoZero"/>
         <c:auto val="1"/>
         <c:lblAlgn val="ctr"/>
@@ -3087,7 +3087,7 @@
         <c:noMultiLvlLbl val="0"/>
       </c:catAx>
       <c:valAx>
-        <c:axId val="-1221127024"/>
+        <c:axId val="-1222444544"/>
         <c:scaling>
           <c:orientation val="minMax"/>
         </c:scaling>
@@ -3123,7 +3123,7 @@
             <a:endParaRPr lang="en-US"/>
           </a:p>
         </c:txPr>
-        <c:crossAx val="-1221545840"/>
+        <c:crossAx val="-1217907056"/>
         <c:crosses val="autoZero"/>
         <c:crossBetween val="between"/>
       </c:valAx>
@@ -3318,11 +3318,11 @@
           <c:showBubbleSize val="0"/>
         </c:dLbls>
         <c:smooth val="0"/>
-        <c:axId val="-1222309952"/>
-        <c:axId val="-1222307904"/>
+        <c:axId val="-1221965632"/>
+        <c:axId val="-1221963312"/>
       </c:lineChart>
       <c:catAx>
-        <c:axId val="-1222309952"/>
+        <c:axId val="-1221965632"/>
         <c:scaling>
           <c:orientation val="minMax"/>
         </c:scaling>
@@ -3365,7 +3365,7 @@
             <a:endParaRPr lang="en-US"/>
           </a:p>
         </c:txPr>
-        <c:crossAx val="-1222307904"/>
+        <c:crossAx val="-1221963312"/>
         <c:crosses val="autoZero"/>
         <c:auto val="1"/>
         <c:lblAlgn val="ctr"/>
@@ -3373,7 +3373,7 @@
         <c:noMultiLvlLbl val="0"/>
       </c:catAx>
       <c:valAx>
-        <c:axId val="-1222307904"/>
+        <c:axId val="-1221963312"/>
         <c:scaling>
           <c:orientation val="minMax"/>
         </c:scaling>
@@ -3410,7 +3410,7 @@
             <a:endParaRPr lang="en-US"/>
           </a:p>
         </c:txPr>
-        <c:crossAx val="-1222309952"/>
+        <c:crossAx val="-1221965632"/>
         <c:crosses val="autoZero"/>
         <c:crossBetween val="between"/>
       </c:valAx>
@@ -3605,11 +3605,11 @@
           <c:showBubbleSize val="0"/>
         </c:dLbls>
         <c:smooth val="0"/>
-        <c:axId val="-1222181136"/>
-        <c:axId val="-1222179088"/>
+        <c:axId val="-1217650656"/>
+        <c:axId val="-1217648336"/>
       </c:lineChart>
       <c:catAx>
-        <c:axId val="-1222181136"/>
+        <c:axId val="-1217650656"/>
         <c:scaling>
           <c:orientation val="minMax"/>
         </c:scaling>
@@ -3652,7 +3652,7 @@
             <a:endParaRPr lang="en-US"/>
           </a:p>
         </c:txPr>
-        <c:crossAx val="-1222179088"/>
+        <c:crossAx val="-1217648336"/>
         <c:crosses val="autoZero"/>
         <c:auto val="1"/>
         <c:lblAlgn val="ctr"/>
@@ -3660,7 +3660,7 @@
         <c:noMultiLvlLbl val="0"/>
       </c:catAx>
       <c:valAx>
-        <c:axId val="-1222179088"/>
+        <c:axId val="-1217648336"/>
         <c:scaling>
           <c:orientation val="minMax"/>
         </c:scaling>
@@ -3696,7 +3696,7 @@
             <a:endParaRPr lang="en-US"/>
           </a:p>
         </c:txPr>
-        <c:crossAx val="-1222181136"/>
+        <c:crossAx val="-1217650656"/>
         <c:crosses val="autoZero"/>
         <c:crossBetween val="between"/>
       </c:valAx>
@@ -3895,11 +3895,11 @@
           <c:showBubbleSize val="0"/>
         </c:dLbls>
         <c:smooth val="0"/>
-        <c:axId val="-1222232336"/>
-        <c:axId val="-1222230016"/>
+        <c:axId val="-1219722992"/>
+        <c:axId val="-1204812304"/>
       </c:lineChart>
       <c:catAx>
-        <c:axId val="-1222232336"/>
+        <c:axId val="-1219722992"/>
         <c:scaling>
           <c:orientation val="minMax"/>
         </c:scaling>
@@ -3942,7 +3942,7 @@
             <a:endParaRPr lang="en-US"/>
           </a:p>
         </c:txPr>
-        <c:crossAx val="-1222230016"/>
+        <c:crossAx val="-1204812304"/>
         <c:crosses val="autoZero"/>
         <c:auto val="1"/>
         <c:lblAlgn val="ctr"/>
@@ -3950,7 +3950,7 @@
         <c:noMultiLvlLbl val="0"/>
       </c:catAx>
       <c:valAx>
-        <c:axId val="-1222230016"/>
+        <c:axId val="-1204812304"/>
         <c:scaling>
           <c:orientation val="minMax"/>
         </c:scaling>
@@ -3987,7 +3987,7 @@
             <a:endParaRPr lang="en-US"/>
           </a:p>
         </c:txPr>
-        <c:crossAx val="-1222232336"/>
+        <c:crossAx val="-1219722992"/>
         <c:crosses val="autoZero"/>
         <c:crossBetween val="between"/>
       </c:valAx>
@@ -26158,7 +26158,7 @@
           <p:cNvPr id="13" name="Content Placeholder 2">
             <a:extLst>
               <a:ext uri="{FF2B5EF4-FFF2-40B4-BE49-F238E27FC236}">
-                <a16:creationId xmlns:a16="http://schemas.microsoft.com/office/drawing/2014/main" xmlns="" id="{7CE76DCB-6D06-4FCF-8C85-021414B0A6EA}"/>
+                <a16:creationId xmlns="" xmlns:a16="http://schemas.microsoft.com/office/drawing/2014/main" id="{7CE76DCB-6D06-4FCF-8C85-021414B0A6EA}"/>
               </a:ext>
             </a:extLst>
           </p:cNvPr>
@@ -26533,7 +26533,7 @@
           <p:cNvPr id="6" name="Content Placeholder 2">
             <a:extLst>
               <a:ext uri="{FF2B5EF4-FFF2-40B4-BE49-F238E27FC236}">
-                <a16:creationId xmlns="" xmlns:a16="http://schemas.microsoft.com/office/drawing/2014/main" id="{7CE76DCB-6D06-4FCF-8C85-021414B0A6EA}"/>
+                <a16:creationId xmlns:a16="http://schemas.microsoft.com/office/drawing/2014/main" xmlns="" id="{7CE76DCB-6D06-4FCF-8C85-021414B0A6EA}"/>
               </a:ext>
             </a:extLst>
           </p:cNvPr>
@@ -26561,13 +26561,31 @@
               <a:rPr lang="en-CA" dirty="0">
                 <a:latin typeface="Book Antiqua" panose="02040602050305030304" pitchFamily="18" charset="0"/>
               </a:rPr>
-              <a:t>Given the new testing data of 3000 images, the results of our proposed Final Model are below.</a:t>
+              <a:t>Given the new testing data of 3000 images, the results of our proposed Final </a:t>
+            </a:r>
+            <a:r>
+              <a:rPr lang="en-CA" dirty="0" smtClean="0">
+                <a:latin typeface="Book Antiqua" panose="02040602050305030304" pitchFamily="18" charset="0"/>
+              </a:rPr>
+              <a:t>Model in terms of running time </a:t>
+            </a:r>
+            <a:r>
+              <a:rPr lang="en-CA" dirty="0">
+                <a:latin typeface="Book Antiqua" panose="02040602050305030304" pitchFamily="18" charset="0"/>
+              </a:rPr>
+              <a:t>are below.</a:t>
             </a:r>
           </a:p>
           <a:p>
             <a:pPr marL="0" indent="0">
               <a:buNone/>
             </a:pPr>
+            <a:r>
+              <a:rPr lang="en-CA" dirty="0" smtClean="0">
+                <a:latin typeface="Book Antiqua" panose="02040602050305030304" pitchFamily="18" charset="0"/>
+              </a:rPr>
+              <a:t>Baseline:</a:t>
+            </a:r>
             <a:endParaRPr lang="en-CA" dirty="0">
               <a:latin typeface="Book Antiqua" panose="02040602050305030304" pitchFamily="18" charset="0"/>
             </a:endParaRPr>
@@ -26581,17 +26599,40 @@
               <a:buChar char="-"/>
             </a:pPr>
             <a:r>
+              <a:rPr lang="en-CA" dirty="0" smtClean="0">
+                <a:latin typeface="Book Antiqua" panose="02040602050305030304" pitchFamily="18" charset="0"/>
+              </a:rPr>
+              <a:t>Running </a:t>
+            </a:r>
+            <a:r>
               <a:rPr lang="en-CA" dirty="0">
                 <a:latin typeface="Book Antiqua" panose="02040602050305030304" pitchFamily="18" charset="0"/>
               </a:rPr>
-              <a:t>Accuracy:</a:t>
+              <a:t>Time: </a:t>
+            </a:r>
+            <a:r>
+              <a:rPr lang="en-CA" dirty="0" smtClean="0">
+                <a:latin typeface="Book Antiqua" panose="02040602050305030304" pitchFamily="18" charset="0"/>
+              </a:rPr>
+              <a:t>- 0.903 seconds</a:t>
+            </a:r>
+            <a:endParaRPr lang="en-CA" dirty="0">
+              <a:latin typeface="Book Antiqua" panose="02040602050305030304" pitchFamily="18" charset="0"/>
+            </a:endParaRPr>
+          </a:p>
+          <a:p>
+            <a:pPr marL="0" indent="0">
+              <a:buNone/>
+            </a:pPr>
+            <a:r>
+              <a:rPr lang="en-CA" dirty="0" smtClean="0">
+                <a:latin typeface="Book Antiqua" panose="02040602050305030304" pitchFamily="18" charset="0"/>
+              </a:rPr>
+              <a:t>Advanced:</a:t>
             </a:r>
           </a:p>
           <a:p>
-            <a:pPr>
-              <a:lnSpc>
-                <a:spcPct val="100000"/>
-              </a:lnSpc>
+            <a:pPr lvl="0">
               <a:buFontTx/>
               <a:buChar char="-"/>
             </a:pPr>
@@ -26601,6 +26642,15 @@
               </a:rPr>
               <a:t>Running Time: </a:t>
             </a:r>
+            <a:r>
+              <a:rPr lang="en-CA" dirty="0" smtClean="0">
+                <a:latin typeface="Book Antiqua" panose="02040602050305030304" pitchFamily="18" charset="0"/>
+              </a:rPr>
+              <a:t>- 0.765 seconds </a:t>
+            </a:r>
+            <a:endParaRPr lang="en-CA" dirty="0" smtClean="0">
+              <a:latin typeface="Book Antiqua" panose="02040602050305030304" pitchFamily="18" charset="0"/>
+            </a:endParaRPr>
           </a:p>
           <a:p>
             <a:pPr marL="0" indent="0">
@@ -29389,7 +29439,7 @@
           <p:cNvPr id="10" name="Content Placeholder 2">
             <a:extLst>
               <a:ext uri="{FF2B5EF4-FFF2-40B4-BE49-F238E27FC236}">
-                <a16:creationId xmlns:a16="http://schemas.microsoft.com/office/drawing/2014/main" xmlns="" id="{7CE76DCB-6D06-4FCF-8C85-021414B0A6EA}"/>
+                <a16:creationId xmlns="" xmlns:a16="http://schemas.microsoft.com/office/drawing/2014/main" id="{7CE76DCB-6D06-4FCF-8C85-021414B0A6EA}"/>
               </a:ext>
             </a:extLst>
           </p:cNvPr>
@@ -29673,7 +29723,7 @@
           <p:cNvPr id="11" name="Content Placeholder 2">
             <a:extLst>
               <a:ext uri="{FF2B5EF4-FFF2-40B4-BE49-F238E27FC236}">
-                <a16:creationId xmlns:a16="http://schemas.microsoft.com/office/drawing/2014/main" xmlns="" id="{7CE76DCB-6D06-4FCF-8C85-021414B0A6EA}"/>
+                <a16:creationId xmlns="" xmlns:a16="http://schemas.microsoft.com/office/drawing/2014/main" id="{7CE76DCB-6D06-4FCF-8C85-021414B0A6EA}"/>
               </a:ext>
             </a:extLst>
           </p:cNvPr>
@@ -38946,15 +38996,7 @@
                 <a:ea typeface="Book Antiqua" charset="0"/>
                 <a:cs typeface="Book Antiqua" charset="0"/>
               </a:rPr>
-              <a:t>Error </a:t>
-            </a:r>
-            <a:r>
-              <a:rPr lang="en-CA" b="1" smtClean="0">
-                <a:latin typeface="Book Antiqua" charset="0"/>
-                <a:ea typeface="Book Antiqua" charset="0"/>
-                <a:cs typeface="Book Antiqua" charset="0"/>
-              </a:rPr>
-              <a:t>Rate (CV Error rate) : </a:t>
+              <a:t>Error Rate (CV Error rate) : </a:t>
             </a:r>
             <a:r>
               <a:rPr lang="hr-HR" dirty="0" smtClean="0">
